--- a/decoratorDesignPattern.pptx
+++ b/decoratorDesignPattern.pptx
@@ -17,6 +17,8 @@
     <p:sldId id="264" r:id="rId12"/>
     <p:sldId id="265" r:id="rId13"/>
     <p:sldId id="266" r:id="rId14"/>
+    <p:sldId id="267" r:id="rId15"/>
+    <p:sldId id="268" r:id="rId16"/>
   </p:sldIdLst>
   <p:sldSz cx="10080625" cy="7559675"/>
   <p:notesSz cx="7559675" cy="10691812"/>
@@ -64,7 +66,7 @@
       </p:grpSpPr>
       <p:sp>
         <p:nvSpPr>
-          <p:cNvPr id="26" name="PlaceHolder 1"/>
+          <p:cNvPr id="24" name="PlaceHolder 1"/>
           <p:cNvSpPr>
             <a:spLocks noGrp="1"/>
           </p:cNvSpPr>
@@ -74,8 +76,8 @@
         </p:nvSpPr>
         <p:spPr>
           <a:xfrm>
-            <a:off x="504000" y="288000"/>
-            <a:ext cx="8100000" cy="1104120"/>
+            <a:off x="504000" y="301320"/>
+            <a:ext cx="9072000" cy="1261800"/>
           </a:xfrm>
           <a:prstGeom prst="rect">
             <a:avLst/>
@@ -94,14 +96,14 @@
                   <a:srgbClr val="ffffff"/>
                 </a:solidFill>
               </a:uFill>
-              <a:latin typeface="Times New Roman"/>
-            </a:endParaRPr>
-          </a:p>
-        </p:txBody>
-      </p:sp>
-      <p:sp>
-        <p:nvSpPr>
-          <p:cNvPr id="27" name="PlaceHolder 2"/>
+              <a:latin typeface="Arial"/>
+            </a:endParaRPr>
+          </a:p>
+        </p:txBody>
+      </p:sp>
+      <p:sp>
+        <p:nvSpPr>
+          <p:cNvPr id="25" name="PlaceHolder 2"/>
           <p:cNvSpPr>
             <a:spLocks noGrp="1"/>
           </p:cNvSpPr>
@@ -111,8 +113,8 @@
         </p:nvSpPr>
         <p:spPr>
           <a:xfrm>
-            <a:off x="504000" y="1823760"/>
-            <a:ext cx="9072000" cy="2091240"/>
+            <a:off x="504000" y="1768680"/>
+            <a:ext cx="9072000" cy="2090880"/>
           </a:xfrm>
           <a:prstGeom prst="rect">
             <a:avLst/>
@@ -130,14 +132,14 @@
                   <a:srgbClr val="ffffff"/>
                 </a:solidFill>
               </a:uFill>
-              <a:latin typeface="Times New Roman"/>
-            </a:endParaRPr>
-          </a:p>
-        </p:txBody>
-      </p:sp>
-      <p:sp>
-        <p:nvSpPr>
-          <p:cNvPr id="28" name="PlaceHolder 3"/>
+              <a:latin typeface="Arial"/>
+            </a:endParaRPr>
+          </a:p>
+        </p:txBody>
+      </p:sp>
+      <p:sp>
+        <p:nvSpPr>
+          <p:cNvPr id="26" name="PlaceHolder 3"/>
           <p:cNvSpPr>
             <a:spLocks noGrp="1"/>
           </p:cNvSpPr>
@@ -147,8 +149,8 @@
         </p:nvSpPr>
         <p:spPr>
           <a:xfrm>
-            <a:off x="504000" y="4114080"/>
-            <a:ext cx="9072000" cy="2091240"/>
+            <a:off x="504000" y="4058640"/>
+            <a:ext cx="9072000" cy="2090880"/>
           </a:xfrm>
           <a:prstGeom prst="rect">
             <a:avLst/>
@@ -166,7 +168,7 @@
                   <a:srgbClr val="ffffff"/>
                 </a:solidFill>
               </a:uFill>
-              <a:latin typeface="Times New Roman"/>
+              <a:latin typeface="Arial"/>
             </a:endParaRPr>
           </a:p>
         </p:txBody>
@@ -195,7 +197,7 @@
       </p:grpSpPr>
       <p:sp>
         <p:nvSpPr>
-          <p:cNvPr id="29" name="PlaceHolder 1"/>
+          <p:cNvPr id="27" name="PlaceHolder 1"/>
           <p:cNvSpPr>
             <a:spLocks noGrp="1"/>
           </p:cNvSpPr>
@@ -205,8 +207,8 @@
         </p:nvSpPr>
         <p:spPr>
           <a:xfrm>
-            <a:off x="504000" y="288000"/>
-            <a:ext cx="8100000" cy="1104120"/>
+            <a:off x="504000" y="301320"/>
+            <a:ext cx="9072000" cy="1261800"/>
           </a:xfrm>
           <a:prstGeom prst="rect">
             <a:avLst/>
@@ -225,14 +227,14 @@
                   <a:srgbClr val="ffffff"/>
                 </a:solidFill>
               </a:uFill>
-              <a:latin typeface="Times New Roman"/>
-            </a:endParaRPr>
-          </a:p>
-        </p:txBody>
-      </p:sp>
-      <p:sp>
-        <p:nvSpPr>
-          <p:cNvPr id="30" name="PlaceHolder 2"/>
+              <a:latin typeface="Arial"/>
+            </a:endParaRPr>
+          </a:p>
+        </p:txBody>
+      </p:sp>
+      <p:sp>
+        <p:nvSpPr>
+          <p:cNvPr id="28" name="PlaceHolder 2"/>
           <p:cNvSpPr>
             <a:spLocks noGrp="1"/>
           </p:cNvSpPr>
@@ -242,8 +244,8 @@
         </p:nvSpPr>
         <p:spPr>
           <a:xfrm>
-            <a:off x="504000" y="1823760"/>
-            <a:ext cx="4426920" cy="2091240"/>
+            <a:off x="504000" y="1768680"/>
+            <a:ext cx="4426920" cy="2090880"/>
           </a:xfrm>
           <a:prstGeom prst="rect">
             <a:avLst/>
@@ -261,14 +263,14 @@
                   <a:srgbClr val="ffffff"/>
                 </a:solidFill>
               </a:uFill>
-              <a:latin typeface="Times New Roman"/>
-            </a:endParaRPr>
-          </a:p>
-        </p:txBody>
-      </p:sp>
-      <p:sp>
-        <p:nvSpPr>
-          <p:cNvPr id="31" name="PlaceHolder 3"/>
+              <a:latin typeface="Arial"/>
+            </a:endParaRPr>
+          </a:p>
+        </p:txBody>
+      </p:sp>
+      <p:sp>
+        <p:nvSpPr>
+          <p:cNvPr id="29" name="PlaceHolder 3"/>
           <p:cNvSpPr>
             <a:spLocks noGrp="1"/>
           </p:cNvSpPr>
@@ -278,8 +280,8 @@
         </p:nvSpPr>
         <p:spPr>
           <a:xfrm>
-            <a:off x="5152680" y="1823760"/>
-            <a:ext cx="4426920" cy="2091240"/>
+            <a:off x="5152680" y="1768680"/>
+            <a:ext cx="4426920" cy="2090880"/>
           </a:xfrm>
           <a:prstGeom prst="rect">
             <a:avLst/>
@@ -297,14 +299,14 @@
                   <a:srgbClr val="ffffff"/>
                 </a:solidFill>
               </a:uFill>
-              <a:latin typeface="Times New Roman"/>
-            </a:endParaRPr>
-          </a:p>
-        </p:txBody>
-      </p:sp>
-      <p:sp>
-        <p:nvSpPr>
-          <p:cNvPr id="32" name="PlaceHolder 4"/>
+              <a:latin typeface="Arial"/>
+            </a:endParaRPr>
+          </a:p>
+        </p:txBody>
+      </p:sp>
+      <p:sp>
+        <p:nvSpPr>
+          <p:cNvPr id="30" name="PlaceHolder 4"/>
           <p:cNvSpPr>
             <a:spLocks noGrp="1"/>
           </p:cNvSpPr>
@@ -314,8 +316,8 @@
         </p:nvSpPr>
         <p:spPr>
           <a:xfrm>
-            <a:off x="5152680" y="4114080"/>
-            <a:ext cx="4426920" cy="2091240"/>
+            <a:off x="5152680" y="4058640"/>
+            <a:ext cx="4426920" cy="2090880"/>
           </a:xfrm>
           <a:prstGeom prst="rect">
             <a:avLst/>
@@ -333,14 +335,14 @@
                   <a:srgbClr val="ffffff"/>
                 </a:solidFill>
               </a:uFill>
-              <a:latin typeface="Times New Roman"/>
-            </a:endParaRPr>
-          </a:p>
-        </p:txBody>
-      </p:sp>
-      <p:sp>
-        <p:nvSpPr>
-          <p:cNvPr id="33" name="PlaceHolder 5"/>
+              <a:latin typeface="Arial"/>
+            </a:endParaRPr>
+          </a:p>
+        </p:txBody>
+      </p:sp>
+      <p:sp>
+        <p:nvSpPr>
+          <p:cNvPr id="31" name="PlaceHolder 5"/>
           <p:cNvSpPr>
             <a:spLocks noGrp="1"/>
           </p:cNvSpPr>
@@ -350,8 +352,8 @@
         </p:nvSpPr>
         <p:spPr>
           <a:xfrm>
-            <a:off x="504000" y="4114080"/>
-            <a:ext cx="4426920" cy="2091240"/>
+            <a:off x="504000" y="4058640"/>
+            <a:ext cx="4426920" cy="2090880"/>
           </a:xfrm>
           <a:prstGeom prst="rect">
             <a:avLst/>
@@ -369,7 +371,7 @@
                   <a:srgbClr val="ffffff"/>
                 </a:solidFill>
               </a:uFill>
-              <a:latin typeface="Times New Roman"/>
+              <a:latin typeface="Arial"/>
             </a:endParaRPr>
           </a:p>
         </p:txBody>
@@ -398,7 +400,7 @@
       </p:grpSpPr>
       <p:sp>
         <p:nvSpPr>
-          <p:cNvPr id="34" name="PlaceHolder 1"/>
+          <p:cNvPr id="32" name="PlaceHolder 1"/>
           <p:cNvSpPr>
             <a:spLocks noGrp="1"/>
           </p:cNvSpPr>
@@ -408,8 +410,8 @@
         </p:nvSpPr>
         <p:spPr>
           <a:xfrm>
-            <a:off x="504000" y="288000"/>
-            <a:ext cx="8100000" cy="1104120"/>
+            <a:off x="504000" y="301320"/>
+            <a:ext cx="9072000" cy="1261800"/>
           </a:xfrm>
           <a:prstGeom prst="rect">
             <a:avLst/>
@@ -428,14 +430,14 @@
                   <a:srgbClr val="ffffff"/>
                 </a:solidFill>
               </a:uFill>
-              <a:latin typeface="Times New Roman"/>
-            </a:endParaRPr>
-          </a:p>
-        </p:txBody>
-      </p:sp>
-      <p:sp>
-        <p:nvSpPr>
-          <p:cNvPr id="35" name="PlaceHolder 2"/>
+              <a:latin typeface="Arial"/>
+            </a:endParaRPr>
+          </a:p>
+        </p:txBody>
+      </p:sp>
+      <p:sp>
+        <p:nvSpPr>
+          <p:cNvPr id="33" name="PlaceHolder 2"/>
           <p:cNvSpPr>
             <a:spLocks noGrp="1"/>
           </p:cNvSpPr>
@@ -445,8 +447,8 @@
         </p:nvSpPr>
         <p:spPr>
           <a:xfrm>
-            <a:off x="504000" y="1823760"/>
-            <a:ext cx="9072000" cy="4384440"/>
+            <a:off x="504000" y="1768680"/>
+            <a:ext cx="9072000" cy="4384080"/>
           </a:xfrm>
           <a:prstGeom prst="rect">
             <a:avLst/>
@@ -464,14 +466,14 @@
                   <a:srgbClr val="ffffff"/>
                 </a:solidFill>
               </a:uFill>
-              <a:latin typeface="Times New Roman"/>
-            </a:endParaRPr>
-          </a:p>
-        </p:txBody>
-      </p:sp>
-      <p:sp>
-        <p:nvSpPr>
-          <p:cNvPr id="36" name="PlaceHolder 3"/>
+              <a:latin typeface="Arial"/>
+            </a:endParaRPr>
+          </a:p>
+        </p:txBody>
+      </p:sp>
+      <p:sp>
+        <p:nvSpPr>
+          <p:cNvPr id="34" name="PlaceHolder 3"/>
           <p:cNvSpPr>
             <a:spLocks noGrp="1"/>
           </p:cNvSpPr>
@@ -481,8 +483,8 @@
         </p:nvSpPr>
         <p:spPr>
           <a:xfrm>
-            <a:off x="504000" y="1823760"/>
-            <a:ext cx="9072000" cy="4384440"/>
+            <a:off x="504000" y="1768680"/>
+            <a:ext cx="9072000" cy="4384080"/>
           </a:xfrm>
           <a:prstGeom prst="rect">
             <a:avLst/>
@@ -500,14 +502,14 @@
                   <a:srgbClr val="ffffff"/>
                 </a:solidFill>
               </a:uFill>
-              <a:latin typeface="Times New Roman"/>
+              <a:latin typeface="Arial"/>
             </a:endParaRPr>
           </a:p>
         </p:txBody>
       </p:sp>
       <p:pic>
         <p:nvPicPr>
-          <p:cNvPr id="37" name="" descr=""/>
+          <p:cNvPr id="35" name="" descr=""/>
           <p:cNvPicPr/>
           <p:nvPr/>
         </p:nvPicPr>
@@ -517,8 +519,8 @@
         </p:blipFill>
         <p:spPr>
           <a:xfrm>
-            <a:off x="2292480" y="1823400"/>
-            <a:ext cx="5495040" cy="4384440"/>
+            <a:off x="2292480" y="1768680"/>
+            <a:ext cx="5494680" cy="4384080"/>
           </a:xfrm>
           <a:prstGeom prst="rect">
             <a:avLst/>
@@ -530,7 +532,7 @@
       </p:pic>
       <p:pic>
         <p:nvPicPr>
-          <p:cNvPr id="38" name="" descr=""/>
+          <p:cNvPr id="36" name="" descr=""/>
           <p:cNvPicPr/>
           <p:nvPr/>
         </p:nvPicPr>
@@ -540,8 +542,8 @@
         </p:blipFill>
         <p:spPr>
           <a:xfrm>
-            <a:off x="2292480" y="1823400"/>
-            <a:ext cx="5495040" cy="4384440"/>
+            <a:off x="2292480" y="1768680"/>
+            <a:ext cx="5494680" cy="4384080"/>
           </a:xfrm>
           <a:prstGeom prst="rect">
             <a:avLst/>
@@ -597,7 +599,7 @@
       </p:grpSpPr>
       <p:sp>
         <p:nvSpPr>
-          <p:cNvPr id="45" name="PlaceHolder 1"/>
+          <p:cNvPr id="40" name="PlaceHolder 1"/>
           <p:cNvSpPr>
             <a:spLocks noGrp="1"/>
           </p:cNvSpPr>
@@ -607,8 +609,8 @@
         </p:nvSpPr>
         <p:spPr>
           <a:xfrm>
-            <a:off x="504000" y="288000"/>
-            <a:ext cx="8100000" cy="1104120"/>
+            <a:off x="504000" y="301320"/>
+            <a:ext cx="9072000" cy="1261800"/>
           </a:xfrm>
           <a:prstGeom prst="rect">
             <a:avLst/>
@@ -627,14 +629,14 @@
                   <a:srgbClr val="ffffff"/>
                 </a:solidFill>
               </a:uFill>
-              <a:latin typeface="Times New Roman"/>
-            </a:endParaRPr>
-          </a:p>
-        </p:txBody>
-      </p:sp>
-      <p:sp>
-        <p:nvSpPr>
-          <p:cNvPr id="46" name="PlaceHolder 2"/>
+              <a:latin typeface="Arial"/>
+            </a:endParaRPr>
+          </a:p>
+        </p:txBody>
+      </p:sp>
+      <p:sp>
+        <p:nvSpPr>
+          <p:cNvPr id="41" name="PlaceHolder 2"/>
           <p:cNvSpPr>
             <a:spLocks noGrp="1"/>
           </p:cNvSpPr>
@@ -644,8 +646,8 @@
         </p:nvSpPr>
         <p:spPr>
           <a:xfrm>
-            <a:off x="504000" y="1823760"/>
-            <a:ext cx="9072000" cy="4384440"/>
+            <a:off x="504000" y="1768680"/>
+            <a:ext cx="9072000" cy="4384080"/>
           </a:xfrm>
           <a:prstGeom prst="rect">
             <a:avLst/>
@@ -693,7 +695,7 @@
       </p:grpSpPr>
       <p:sp>
         <p:nvSpPr>
-          <p:cNvPr id="47" name="PlaceHolder 1"/>
+          <p:cNvPr id="42" name="PlaceHolder 1"/>
           <p:cNvSpPr>
             <a:spLocks noGrp="1"/>
           </p:cNvSpPr>
@@ -703,8 +705,8 @@
         </p:nvSpPr>
         <p:spPr>
           <a:xfrm>
-            <a:off x="504000" y="288000"/>
-            <a:ext cx="8100000" cy="1104120"/>
+            <a:off x="504000" y="301320"/>
+            <a:ext cx="9072000" cy="1261800"/>
           </a:xfrm>
           <a:prstGeom prst="rect">
             <a:avLst/>
@@ -723,14 +725,14 @@
                   <a:srgbClr val="ffffff"/>
                 </a:solidFill>
               </a:uFill>
-              <a:latin typeface="Times New Roman"/>
-            </a:endParaRPr>
-          </a:p>
-        </p:txBody>
-      </p:sp>
-      <p:sp>
-        <p:nvSpPr>
-          <p:cNvPr id="48" name="PlaceHolder 2"/>
+              <a:latin typeface="Arial"/>
+            </a:endParaRPr>
+          </a:p>
+        </p:txBody>
+      </p:sp>
+      <p:sp>
+        <p:nvSpPr>
+          <p:cNvPr id="43" name="PlaceHolder 2"/>
           <p:cNvSpPr>
             <a:spLocks noGrp="1"/>
           </p:cNvSpPr>
@@ -740,8 +742,8 @@
         </p:nvSpPr>
         <p:spPr>
           <a:xfrm>
-            <a:off x="504000" y="1823760"/>
-            <a:ext cx="9072000" cy="4384440"/>
+            <a:off x="504000" y="1768680"/>
+            <a:ext cx="9072000" cy="4384080"/>
           </a:xfrm>
           <a:prstGeom prst="rect">
             <a:avLst/>
@@ -759,7 +761,7 @@
                   <a:srgbClr val="ffffff"/>
                 </a:solidFill>
               </a:uFill>
-              <a:latin typeface="Times New Roman"/>
+              <a:latin typeface="Arial"/>
             </a:endParaRPr>
           </a:p>
         </p:txBody>
@@ -788,7 +790,7 @@
       </p:grpSpPr>
       <p:sp>
         <p:nvSpPr>
-          <p:cNvPr id="49" name="PlaceHolder 1"/>
+          <p:cNvPr id="44" name="PlaceHolder 1"/>
           <p:cNvSpPr>
             <a:spLocks noGrp="1"/>
           </p:cNvSpPr>
@@ -798,8 +800,8 @@
         </p:nvSpPr>
         <p:spPr>
           <a:xfrm>
-            <a:off x="504000" y="288000"/>
-            <a:ext cx="8100000" cy="1104120"/>
+            <a:off x="504000" y="301320"/>
+            <a:ext cx="9072000" cy="1261800"/>
           </a:xfrm>
           <a:prstGeom prst="rect">
             <a:avLst/>
@@ -818,14 +820,14 @@
                   <a:srgbClr val="ffffff"/>
                 </a:solidFill>
               </a:uFill>
-              <a:latin typeface="Times New Roman"/>
-            </a:endParaRPr>
-          </a:p>
-        </p:txBody>
-      </p:sp>
-      <p:sp>
-        <p:nvSpPr>
-          <p:cNvPr id="50" name="PlaceHolder 2"/>
+              <a:latin typeface="Arial"/>
+            </a:endParaRPr>
+          </a:p>
+        </p:txBody>
+      </p:sp>
+      <p:sp>
+        <p:nvSpPr>
+          <p:cNvPr id="45" name="PlaceHolder 2"/>
           <p:cNvSpPr>
             <a:spLocks noGrp="1"/>
           </p:cNvSpPr>
@@ -835,8 +837,8 @@
         </p:nvSpPr>
         <p:spPr>
           <a:xfrm>
-            <a:off x="504000" y="1823760"/>
-            <a:ext cx="4426920" cy="4384440"/>
+            <a:off x="504000" y="1768680"/>
+            <a:ext cx="4426920" cy="4384080"/>
           </a:xfrm>
           <a:prstGeom prst="rect">
             <a:avLst/>
@@ -854,14 +856,14 @@
                   <a:srgbClr val="ffffff"/>
                 </a:solidFill>
               </a:uFill>
-              <a:latin typeface="Times New Roman"/>
-            </a:endParaRPr>
-          </a:p>
-        </p:txBody>
-      </p:sp>
-      <p:sp>
-        <p:nvSpPr>
-          <p:cNvPr id="51" name="PlaceHolder 3"/>
+              <a:latin typeface="Arial"/>
+            </a:endParaRPr>
+          </a:p>
+        </p:txBody>
+      </p:sp>
+      <p:sp>
+        <p:nvSpPr>
+          <p:cNvPr id="46" name="PlaceHolder 3"/>
           <p:cNvSpPr>
             <a:spLocks noGrp="1"/>
           </p:cNvSpPr>
@@ -871,8 +873,8 @@
         </p:nvSpPr>
         <p:spPr>
           <a:xfrm>
-            <a:off x="5152680" y="1823760"/>
-            <a:ext cx="4426920" cy="4384440"/>
+            <a:off x="5152680" y="1768680"/>
+            <a:ext cx="4426920" cy="4384080"/>
           </a:xfrm>
           <a:prstGeom prst="rect">
             <a:avLst/>
@@ -890,7 +892,7 @@
                   <a:srgbClr val="ffffff"/>
                 </a:solidFill>
               </a:uFill>
-              <a:latin typeface="Times New Roman"/>
+              <a:latin typeface="Arial"/>
             </a:endParaRPr>
           </a:p>
         </p:txBody>
@@ -919,7 +921,7 @@
       </p:grpSpPr>
       <p:sp>
         <p:nvSpPr>
-          <p:cNvPr id="52" name="PlaceHolder 1"/>
+          <p:cNvPr id="47" name="PlaceHolder 1"/>
           <p:cNvSpPr>
             <a:spLocks noGrp="1"/>
           </p:cNvSpPr>
@@ -929,8 +931,8 @@
         </p:nvSpPr>
         <p:spPr>
           <a:xfrm>
-            <a:off x="504000" y="288000"/>
-            <a:ext cx="8100000" cy="1104120"/>
+            <a:off x="504000" y="301320"/>
+            <a:ext cx="9072000" cy="1261800"/>
           </a:xfrm>
           <a:prstGeom prst="rect">
             <a:avLst/>
@@ -949,7 +951,7 @@
                   <a:srgbClr val="ffffff"/>
                 </a:solidFill>
               </a:uFill>
-              <a:latin typeface="Times New Roman"/>
+              <a:latin typeface="Arial"/>
             </a:endParaRPr>
           </a:p>
         </p:txBody>
@@ -978,7 +980,7 @@
       </p:grpSpPr>
       <p:sp>
         <p:nvSpPr>
-          <p:cNvPr id="53" name="PlaceHolder 1"/>
+          <p:cNvPr id="48" name="PlaceHolder 1"/>
           <p:cNvSpPr>
             <a:spLocks noGrp="1"/>
           </p:cNvSpPr>
@@ -988,8 +990,8 @@
         </p:nvSpPr>
         <p:spPr>
           <a:xfrm>
-            <a:off x="504000" y="288000"/>
-            <a:ext cx="8100000" cy="5119200"/>
+            <a:off x="504000" y="301320"/>
+            <a:ext cx="9072000" cy="5850360"/>
           </a:xfrm>
           <a:prstGeom prst="rect">
             <a:avLst/>
@@ -1037,7 +1039,7 @@
       </p:grpSpPr>
       <p:sp>
         <p:nvSpPr>
-          <p:cNvPr id="54" name="PlaceHolder 1"/>
+          <p:cNvPr id="49" name="PlaceHolder 1"/>
           <p:cNvSpPr>
             <a:spLocks noGrp="1"/>
           </p:cNvSpPr>
@@ -1047,8 +1049,8 @@
         </p:nvSpPr>
         <p:spPr>
           <a:xfrm>
-            <a:off x="504000" y="288000"/>
-            <a:ext cx="8100000" cy="1104120"/>
+            <a:off x="504000" y="301320"/>
+            <a:ext cx="9072000" cy="1261800"/>
           </a:xfrm>
           <a:prstGeom prst="rect">
             <a:avLst/>
@@ -1067,14 +1069,14 @@
                   <a:srgbClr val="ffffff"/>
                 </a:solidFill>
               </a:uFill>
-              <a:latin typeface="Times New Roman"/>
-            </a:endParaRPr>
-          </a:p>
-        </p:txBody>
-      </p:sp>
-      <p:sp>
-        <p:nvSpPr>
-          <p:cNvPr id="55" name="PlaceHolder 2"/>
+              <a:latin typeface="Arial"/>
+            </a:endParaRPr>
+          </a:p>
+        </p:txBody>
+      </p:sp>
+      <p:sp>
+        <p:nvSpPr>
+          <p:cNvPr id="50" name="PlaceHolder 2"/>
           <p:cNvSpPr>
             <a:spLocks noGrp="1"/>
           </p:cNvSpPr>
@@ -1084,8 +1086,8 @@
         </p:nvSpPr>
         <p:spPr>
           <a:xfrm>
-            <a:off x="504000" y="1823760"/>
-            <a:ext cx="4426920" cy="2091240"/>
+            <a:off x="504000" y="1768680"/>
+            <a:ext cx="4426920" cy="2090880"/>
           </a:xfrm>
           <a:prstGeom prst="rect">
             <a:avLst/>
@@ -1103,14 +1105,14 @@
                   <a:srgbClr val="ffffff"/>
                 </a:solidFill>
               </a:uFill>
-              <a:latin typeface="Times New Roman"/>
-            </a:endParaRPr>
-          </a:p>
-        </p:txBody>
-      </p:sp>
-      <p:sp>
-        <p:nvSpPr>
-          <p:cNvPr id="56" name="PlaceHolder 3"/>
+              <a:latin typeface="Arial"/>
+            </a:endParaRPr>
+          </a:p>
+        </p:txBody>
+      </p:sp>
+      <p:sp>
+        <p:nvSpPr>
+          <p:cNvPr id="51" name="PlaceHolder 3"/>
           <p:cNvSpPr>
             <a:spLocks noGrp="1"/>
           </p:cNvSpPr>
@@ -1120,8 +1122,8 @@
         </p:nvSpPr>
         <p:spPr>
           <a:xfrm>
-            <a:off x="504000" y="4114080"/>
-            <a:ext cx="4426920" cy="2091240"/>
+            <a:off x="504000" y="4058640"/>
+            <a:ext cx="4426920" cy="2090880"/>
           </a:xfrm>
           <a:prstGeom prst="rect">
             <a:avLst/>
@@ -1139,14 +1141,14 @@
                   <a:srgbClr val="ffffff"/>
                 </a:solidFill>
               </a:uFill>
-              <a:latin typeface="Times New Roman"/>
-            </a:endParaRPr>
-          </a:p>
-        </p:txBody>
-      </p:sp>
-      <p:sp>
-        <p:nvSpPr>
-          <p:cNvPr id="57" name="PlaceHolder 4"/>
+              <a:latin typeface="Arial"/>
+            </a:endParaRPr>
+          </a:p>
+        </p:txBody>
+      </p:sp>
+      <p:sp>
+        <p:nvSpPr>
+          <p:cNvPr id="52" name="PlaceHolder 4"/>
           <p:cNvSpPr>
             <a:spLocks noGrp="1"/>
           </p:cNvSpPr>
@@ -1156,8 +1158,8 @@
         </p:nvSpPr>
         <p:spPr>
           <a:xfrm>
-            <a:off x="5152680" y="1823760"/>
-            <a:ext cx="4426920" cy="4384440"/>
+            <a:off x="5152680" y="1768680"/>
+            <a:ext cx="4426920" cy="4384080"/>
           </a:xfrm>
           <a:prstGeom prst="rect">
             <a:avLst/>
@@ -1175,7 +1177,7 @@
                   <a:srgbClr val="ffffff"/>
                 </a:solidFill>
               </a:uFill>
-              <a:latin typeface="Times New Roman"/>
+              <a:latin typeface="Arial"/>
             </a:endParaRPr>
           </a:p>
         </p:txBody>
@@ -1204,7 +1206,7 @@
       </p:grpSpPr>
       <p:sp>
         <p:nvSpPr>
-          <p:cNvPr id="5" name="PlaceHolder 1"/>
+          <p:cNvPr id="3" name="PlaceHolder 1"/>
           <p:cNvSpPr>
             <a:spLocks noGrp="1"/>
           </p:cNvSpPr>
@@ -1214,8 +1216,8 @@
         </p:nvSpPr>
         <p:spPr>
           <a:xfrm>
-            <a:off x="504000" y="288000"/>
-            <a:ext cx="8100000" cy="1104120"/>
+            <a:off x="504000" y="301320"/>
+            <a:ext cx="9072000" cy="1261800"/>
           </a:xfrm>
           <a:prstGeom prst="rect">
             <a:avLst/>
@@ -1234,14 +1236,14 @@
                   <a:srgbClr val="ffffff"/>
                 </a:solidFill>
               </a:uFill>
-              <a:latin typeface="Times New Roman"/>
-            </a:endParaRPr>
-          </a:p>
-        </p:txBody>
-      </p:sp>
-      <p:sp>
-        <p:nvSpPr>
-          <p:cNvPr id="6" name="PlaceHolder 2"/>
+              <a:latin typeface="Arial"/>
+            </a:endParaRPr>
+          </a:p>
+        </p:txBody>
+      </p:sp>
+      <p:sp>
+        <p:nvSpPr>
+          <p:cNvPr id="4" name="PlaceHolder 2"/>
           <p:cNvSpPr>
             <a:spLocks noGrp="1"/>
           </p:cNvSpPr>
@@ -1251,8 +1253,8 @@
         </p:nvSpPr>
         <p:spPr>
           <a:xfrm>
-            <a:off x="504000" y="1823760"/>
-            <a:ext cx="9072000" cy="4384440"/>
+            <a:off x="504000" y="1768680"/>
+            <a:ext cx="9072000" cy="4384080"/>
           </a:xfrm>
           <a:prstGeom prst="rect">
             <a:avLst/>
@@ -1300,7 +1302,7 @@
       </p:grpSpPr>
       <p:sp>
         <p:nvSpPr>
-          <p:cNvPr id="58" name="PlaceHolder 1"/>
+          <p:cNvPr id="53" name="PlaceHolder 1"/>
           <p:cNvSpPr>
             <a:spLocks noGrp="1"/>
           </p:cNvSpPr>
@@ -1310,8 +1312,8 @@
         </p:nvSpPr>
         <p:spPr>
           <a:xfrm>
-            <a:off x="504000" y="288000"/>
-            <a:ext cx="8100000" cy="1104120"/>
+            <a:off x="504000" y="301320"/>
+            <a:ext cx="9072000" cy="1261800"/>
           </a:xfrm>
           <a:prstGeom prst="rect">
             <a:avLst/>
@@ -1330,14 +1332,14 @@
                   <a:srgbClr val="ffffff"/>
                 </a:solidFill>
               </a:uFill>
-              <a:latin typeface="Times New Roman"/>
-            </a:endParaRPr>
-          </a:p>
-        </p:txBody>
-      </p:sp>
-      <p:sp>
-        <p:nvSpPr>
-          <p:cNvPr id="59" name="PlaceHolder 2"/>
+              <a:latin typeface="Arial"/>
+            </a:endParaRPr>
+          </a:p>
+        </p:txBody>
+      </p:sp>
+      <p:sp>
+        <p:nvSpPr>
+          <p:cNvPr id="54" name="PlaceHolder 2"/>
           <p:cNvSpPr>
             <a:spLocks noGrp="1"/>
           </p:cNvSpPr>
@@ -1347,8 +1349,8 @@
         </p:nvSpPr>
         <p:spPr>
           <a:xfrm>
-            <a:off x="504000" y="1823760"/>
-            <a:ext cx="4426920" cy="4384440"/>
+            <a:off x="504000" y="1768680"/>
+            <a:ext cx="4426920" cy="4384080"/>
           </a:xfrm>
           <a:prstGeom prst="rect">
             <a:avLst/>
@@ -1366,14 +1368,14 @@
                   <a:srgbClr val="ffffff"/>
                 </a:solidFill>
               </a:uFill>
-              <a:latin typeface="Times New Roman"/>
-            </a:endParaRPr>
-          </a:p>
-        </p:txBody>
-      </p:sp>
-      <p:sp>
-        <p:nvSpPr>
-          <p:cNvPr id="60" name="PlaceHolder 3"/>
+              <a:latin typeface="Arial"/>
+            </a:endParaRPr>
+          </a:p>
+        </p:txBody>
+      </p:sp>
+      <p:sp>
+        <p:nvSpPr>
+          <p:cNvPr id="55" name="PlaceHolder 3"/>
           <p:cNvSpPr>
             <a:spLocks noGrp="1"/>
           </p:cNvSpPr>
@@ -1383,8 +1385,8 @@
         </p:nvSpPr>
         <p:spPr>
           <a:xfrm>
-            <a:off x="5152680" y="1823760"/>
-            <a:ext cx="4426920" cy="2091240"/>
+            <a:off x="5152680" y="1768680"/>
+            <a:ext cx="4426920" cy="2090880"/>
           </a:xfrm>
           <a:prstGeom prst="rect">
             <a:avLst/>
@@ -1402,14 +1404,14 @@
                   <a:srgbClr val="ffffff"/>
                 </a:solidFill>
               </a:uFill>
-              <a:latin typeface="Times New Roman"/>
-            </a:endParaRPr>
-          </a:p>
-        </p:txBody>
-      </p:sp>
-      <p:sp>
-        <p:nvSpPr>
-          <p:cNvPr id="61" name="PlaceHolder 4"/>
+              <a:latin typeface="Arial"/>
+            </a:endParaRPr>
+          </a:p>
+        </p:txBody>
+      </p:sp>
+      <p:sp>
+        <p:nvSpPr>
+          <p:cNvPr id="56" name="PlaceHolder 4"/>
           <p:cNvSpPr>
             <a:spLocks noGrp="1"/>
           </p:cNvSpPr>
@@ -1419,8 +1421,8 @@
         </p:nvSpPr>
         <p:spPr>
           <a:xfrm>
-            <a:off x="5152680" y="4114080"/>
-            <a:ext cx="4426920" cy="2091240"/>
+            <a:off x="5152680" y="4058640"/>
+            <a:ext cx="4426920" cy="2090880"/>
           </a:xfrm>
           <a:prstGeom prst="rect">
             <a:avLst/>
@@ -1438,7 +1440,7 @@
                   <a:srgbClr val="ffffff"/>
                 </a:solidFill>
               </a:uFill>
-              <a:latin typeface="Times New Roman"/>
+              <a:latin typeface="Arial"/>
             </a:endParaRPr>
           </a:p>
         </p:txBody>
@@ -1467,7 +1469,7 @@
       </p:grpSpPr>
       <p:sp>
         <p:nvSpPr>
-          <p:cNvPr id="62" name="PlaceHolder 1"/>
+          <p:cNvPr id="57" name="PlaceHolder 1"/>
           <p:cNvSpPr>
             <a:spLocks noGrp="1"/>
           </p:cNvSpPr>
@@ -1477,8 +1479,8 @@
         </p:nvSpPr>
         <p:spPr>
           <a:xfrm>
-            <a:off x="504000" y="288000"/>
-            <a:ext cx="8100000" cy="1104120"/>
+            <a:off x="504000" y="301320"/>
+            <a:ext cx="9072000" cy="1261800"/>
           </a:xfrm>
           <a:prstGeom prst="rect">
             <a:avLst/>
@@ -1497,14 +1499,14 @@
                   <a:srgbClr val="ffffff"/>
                 </a:solidFill>
               </a:uFill>
-              <a:latin typeface="Times New Roman"/>
-            </a:endParaRPr>
-          </a:p>
-        </p:txBody>
-      </p:sp>
-      <p:sp>
-        <p:nvSpPr>
-          <p:cNvPr id="63" name="PlaceHolder 2"/>
+              <a:latin typeface="Arial"/>
+            </a:endParaRPr>
+          </a:p>
+        </p:txBody>
+      </p:sp>
+      <p:sp>
+        <p:nvSpPr>
+          <p:cNvPr id="58" name="PlaceHolder 2"/>
           <p:cNvSpPr>
             <a:spLocks noGrp="1"/>
           </p:cNvSpPr>
@@ -1514,8 +1516,8 @@
         </p:nvSpPr>
         <p:spPr>
           <a:xfrm>
-            <a:off x="504000" y="1823760"/>
-            <a:ext cx="4426920" cy="2091240"/>
+            <a:off x="504000" y="1768680"/>
+            <a:ext cx="4426920" cy="2090880"/>
           </a:xfrm>
           <a:prstGeom prst="rect">
             <a:avLst/>
@@ -1533,14 +1535,14 @@
                   <a:srgbClr val="ffffff"/>
                 </a:solidFill>
               </a:uFill>
-              <a:latin typeface="Times New Roman"/>
-            </a:endParaRPr>
-          </a:p>
-        </p:txBody>
-      </p:sp>
-      <p:sp>
-        <p:nvSpPr>
-          <p:cNvPr id="64" name="PlaceHolder 3"/>
+              <a:latin typeface="Arial"/>
+            </a:endParaRPr>
+          </a:p>
+        </p:txBody>
+      </p:sp>
+      <p:sp>
+        <p:nvSpPr>
+          <p:cNvPr id="59" name="PlaceHolder 3"/>
           <p:cNvSpPr>
             <a:spLocks noGrp="1"/>
           </p:cNvSpPr>
@@ -1550,8 +1552,8 @@
         </p:nvSpPr>
         <p:spPr>
           <a:xfrm>
-            <a:off x="5152680" y="1823760"/>
-            <a:ext cx="4426920" cy="2091240"/>
+            <a:off x="5152680" y="1768680"/>
+            <a:ext cx="4426920" cy="2090880"/>
           </a:xfrm>
           <a:prstGeom prst="rect">
             <a:avLst/>
@@ -1569,14 +1571,14 @@
                   <a:srgbClr val="ffffff"/>
                 </a:solidFill>
               </a:uFill>
-              <a:latin typeface="Times New Roman"/>
-            </a:endParaRPr>
-          </a:p>
-        </p:txBody>
-      </p:sp>
-      <p:sp>
-        <p:nvSpPr>
-          <p:cNvPr id="65" name="PlaceHolder 4"/>
+              <a:latin typeface="Arial"/>
+            </a:endParaRPr>
+          </a:p>
+        </p:txBody>
+      </p:sp>
+      <p:sp>
+        <p:nvSpPr>
+          <p:cNvPr id="60" name="PlaceHolder 4"/>
           <p:cNvSpPr>
             <a:spLocks noGrp="1"/>
           </p:cNvSpPr>
@@ -1586,8 +1588,8 @@
         </p:nvSpPr>
         <p:spPr>
           <a:xfrm>
-            <a:off x="504000" y="4114080"/>
-            <a:ext cx="9072000" cy="2091240"/>
+            <a:off x="504000" y="4058640"/>
+            <a:ext cx="9072000" cy="2090880"/>
           </a:xfrm>
           <a:prstGeom prst="rect">
             <a:avLst/>
@@ -1605,7 +1607,7 @@
                   <a:srgbClr val="ffffff"/>
                 </a:solidFill>
               </a:uFill>
-              <a:latin typeface="Times New Roman"/>
+              <a:latin typeface="Arial"/>
             </a:endParaRPr>
           </a:p>
         </p:txBody>
@@ -1634,7 +1636,7 @@
       </p:grpSpPr>
       <p:sp>
         <p:nvSpPr>
-          <p:cNvPr id="66" name="PlaceHolder 1"/>
+          <p:cNvPr id="61" name="PlaceHolder 1"/>
           <p:cNvSpPr>
             <a:spLocks noGrp="1"/>
           </p:cNvSpPr>
@@ -1644,8 +1646,8 @@
         </p:nvSpPr>
         <p:spPr>
           <a:xfrm>
-            <a:off x="504000" y="288000"/>
-            <a:ext cx="8100000" cy="1104120"/>
+            <a:off x="504000" y="301320"/>
+            <a:ext cx="9072000" cy="1261800"/>
           </a:xfrm>
           <a:prstGeom prst="rect">
             <a:avLst/>
@@ -1664,14 +1666,14 @@
                   <a:srgbClr val="ffffff"/>
                 </a:solidFill>
               </a:uFill>
-              <a:latin typeface="Times New Roman"/>
-            </a:endParaRPr>
-          </a:p>
-        </p:txBody>
-      </p:sp>
-      <p:sp>
-        <p:nvSpPr>
-          <p:cNvPr id="67" name="PlaceHolder 2"/>
+              <a:latin typeface="Arial"/>
+            </a:endParaRPr>
+          </a:p>
+        </p:txBody>
+      </p:sp>
+      <p:sp>
+        <p:nvSpPr>
+          <p:cNvPr id="62" name="PlaceHolder 2"/>
           <p:cNvSpPr>
             <a:spLocks noGrp="1"/>
           </p:cNvSpPr>
@@ -1681,8 +1683,8 @@
         </p:nvSpPr>
         <p:spPr>
           <a:xfrm>
-            <a:off x="504000" y="1823760"/>
-            <a:ext cx="9072000" cy="2091240"/>
+            <a:off x="504000" y="1768680"/>
+            <a:ext cx="9072000" cy="2090880"/>
           </a:xfrm>
           <a:prstGeom prst="rect">
             <a:avLst/>
@@ -1700,14 +1702,14 @@
                   <a:srgbClr val="ffffff"/>
                 </a:solidFill>
               </a:uFill>
-              <a:latin typeface="Times New Roman"/>
-            </a:endParaRPr>
-          </a:p>
-        </p:txBody>
-      </p:sp>
-      <p:sp>
-        <p:nvSpPr>
-          <p:cNvPr id="68" name="PlaceHolder 3"/>
+              <a:latin typeface="Arial"/>
+            </a:endParaRPr>
+          </a:p>
+        </p:txBody>
+      </p:sp>
+      <p:sp>
+        <p:nvSpPr>
+          <p:cNvPr id="63" name="PlaceHolder 3"/>
           <p:cNvSpPr>
             <a:spLocks noGrp="1"/>
           </p:cNvSpPr>
@@ -1717,8 +1719,8 @@
         </p:nvSpPr>
         <p:spPr>
           <a:xfrm>
-            <a:off x="504000" y="4114080"/>
-            <a:ext cx="9072000" cy="2091240"/>
+            <a:off x="504000" y="4058640"/>
+            <a:ext cx="9072000" cy="2090880"/>
           </a:xfrm>
           <a:prstGeom prst="rect">
             <a:avLst/>
@@ -1736,7 +1738,7 @@
                   <a:srgbClr val="ffffff"/>
                 </a:solidFill>
               </a:uFill>
-              <a:latin typeface="Times New Roman"/>
+              <a:latin typeface="Arial"/>
             </a:endParaRPr>
           </a:p>
         </p:txBody>
@@ -1765,7 +1767,7 @@
       </p:grpSpPr>
       <p:sp>
         <p:nvSpPr>
-          <p:cNvPr id="69" name="PlaceHolder 1"/>
+          <p:cNvPr id="64" name="PlaceHolder 1"/>
           <p:cNvSpPr>
             <a:spLocks noGrp="1"/>
           </p:cNvSpPr>
@@ -1775,8 +1777,8 @@
         </p:nvSpPr>
         <p:spPr>
           <a:xfrm>
-            <a:off x="504000" y="288000"/>
-            <a:ext cx="8100000" cy="1104120"/>
+            <a:off x="504000" y="301320"/>
+            <a:ext cx="9072000" cy="1261800"/>
           </a:xfrm>
           <a:prstGeom prst="rect">
             <a:avLst/>
@@ -1795,14 +1797,14 @@
                   <a:srgbClr val="ffffff"/>
                 </a:solidFill>
               </a:uFill>
-              <a:latin typeface="Times New Roman"/>
-            </a:endParaRPr>
-          </a:p>
-        </p:txBody>
-      </p:sp>
-      <p:sp>
-        <p:nvSpPr>
-          <p:cNvPr id="70" name="PlaceHolder 2"/>
+              <a:latin typeface="Arial"/>
+            </a:endParaRPr>
+          </a:p>
+        </p:txBody>
+      </p:sp>
+      <p:sp>
+        <p:nvSpPr>
+          <p:cNvPr id="65" name="PlaceHolder 2"/>
           <p:cNvSpPr>
             <a:spLocks noGrp="1"/>
           </p:cNvSpPr>
@@ -1812,8 +1814,8 @@
         </p:nvSpPr>
         <p:spPr>
           <a:xfrm>
-            <a:off x="504000" y="1823760"/>
-            <a:ext cx="4426920" cy="2091240"/>
+            <a:off x="504000" y="1768680"/>
+            <a:ext cx="4426920" cy="2090880"/>
           </a:xfrm>
           <a:prstGeom prst="rect">
             <a:avLst/>
@@ -1831,14 +1833,14 @@
                   <a:srgbClr val="ffffff"/>
                 </a:solidFill>
               </a:uFill>
-              <a:latin typeface="Times New Roman"/>
-            </a:endParaRPr>
-          </a:p>
-        </p:txBody>
-      </p:sp>
-      <p:sp>
-        <p:nvSpPr>
-          <p:cNvPr id="71" name="PlaceHolder 3"/>
+              <a:latin typeface="Arial"/>
+            </a:endParaRPr>
+          </a:p>
+        </p:txBody>
+      </p:sp>
+      <p:sp>
+        <p:nvSpPr>
+          <p:cNvPr id="66" name="PlaceHolder 3"/>
           <p:cNvSpPr>
             <a:spLocks noGrp="1"/>
           </p:cNvSpPr>
@@ -1848,8 +1850,8 @@
         </p:nvSpPr>
         <p:spPr>
           <a:xfrm>
-            <a:off x="5152680" y="1823760"/>
-            <a:ext cx="4426920" cy="2091240"/>
+            <a:off x="5152680" y="1768680"/>
+            <a:ext cx="4426920" cy="2090880"/>
           </a:xfrm>
           <a:prstGeom prst="rect">
             <a:avLst/>
@@ -1867,14 +1869,14 @@
                   <a:srgbClr val="ffffff"/>
                 </a:solidFill>
               </a:uFill>
-              <a:latin typeface="Times New Roman"/>
-            </a:endParaRPr>
-          </a:p>
-        </p:txBody>
-      </p:sp>
-      <p:sp>
-        <p:nvSpPr>
-          <p:cNvPr id="72" name="PlaceHolder 4"/>
+              <a:latin typeface="Arial"/>
+            </a:endParaRPr>
+          </a:p>
+        </p:txBody>
+      </p:sp>
+      <p:sp>
+        <p:nvSpPr>
+          <p:cNvPr id="67" name="PlaceHolder 4"/>
           <p:cNvSpPr>
             <a:spLocks noGrp="1"/>
           </p:cNvSpPr>
@@ -1884,8 +1886,8 @@
         </p:nvSpPr>
         <p:spPr>
           <a:xfrm>
-            <a:off x="5152680" y="4114080"/>
-            <a:ext cx="4426920" cy="2091240"/>
+            <a:off x="5152680" y="4058640"/>
+            <a:ext cx="4426920" cy="2090880"/>
           </a:xfrm>
           <a:prstGeom prst="rect">
             <a:avLst/>
@@ -1903,14 +1905,14 @@
                   <a:srgbClr val="ffffff"/>
                 </a:solidFill>
               </a:uFill>
-              <a:latin typeface="Times New Roman"/>
-            </a:endParaRPr>
-          </a:p>
-        </p:txBody>
-      </p:sp>
-      <p:sp>
-        <p:nvSpPr>
-          <p:cNvPr id="73" name="PlaceHolder 5"/>
+              <a:latin typeface="Arial"/>
+            </a:endParaRPr>
+          </a:p>
+        </p:txBody>
+      </p:sp>
+      <p:sp>
+        <p:nvSpPr>
+          <p:cNvPr id="68" name="PlaceHolder 5"/>
           <p:cNvSpPr>
             <a:spLocks noGrp="1"/>
           </p:cNvSpPr>
@@ -1920,8 +1922,8 @@
         </p:nvSpPr>
         <p:spPr>
           <a:xfrm>
-            <a:off x="504000" y="4114080"/>
-            <a:ext cx="4426920" cy="2091240"/>
+            <a:off x="504000" y="4058640"/>
+            <a:ext cx="4426920" cy="2090880"/>
           </a:xfrm>
           <a:prstGeom prst="rect">
             <a:avLst/>
@@ -1939,7 +1941,7 @@
                   <a:srgbClr val="ffffff"/>
                 </a:solidFill>
               </a:uFill>
-              <a:latin typeface="Times New Roman"/>
+              <a:latin typeface="Arial"/>
             </a:endParaRPr>
           </a:p>
         </p:txBody>
@@ -1968,7 +1970,7 @@
       </p:grpSpPr>
       <p:sp>
         <p:nvSpPr>
-          <p:cNvPr id="74" name="PlaceHolder 1"/>
+          <p:cNvPr id="69" name="PlaceHolder 1"/>
           <p:cNvSpPr>
             <a:spLocks noGrp="1"/>
           </p:cNvSpPr>
@@ -1978,8 +1980,8 @@
         </p:nvSpPr>
         <p:spPr>
           <a:xfrm>
-            <a:off x="504000" y="288000"/>
-            <a:ext cx="8100000" cy="1104120"/>
+            <a:off x="504000" y="301320"/>
+            <a:ext cx="9072000" cy="1261800"/>
           </a:xfrm>
           <a:prstGeom prst="rect">
             <a:avLst/>
@@ -1998,14 +2000,14 @@
                   <a:srgbClr val="ffffff"/>
                 </a:solidFill>
               </a:uFill>
-              <a:latin typeface="Times New Roman"/>
-            </a:endParaRPr>
-          </a:p>
-        </p:txBody>
-      </p:sp>
-      <p:sp>
-        <p:nvSpPr>
-          <p:cNvPr id="75" name="PlaceHolder 2"/>
+              <a:latin typeface="Arial"/>
+            </a:endParaRPr>
+          </a:p>
+        </p:txBody>
+      </p:sp>
+      <p:sp>
+        <p:nvSpPr>
+          <p:cNvPr id="70" name="PlaceHolder 2"/>
           <p:cNvSpPr>
             <a:spLocks noGrp="1"/>
           </p:cNvSpPr>
@@ -2015,8 +2017,8 @@
         </p:nvSpPr>
         <p:spPr>
           <a:xfrm>
-            <a:off x="504000" y="1823760"/>
-            <a:ext cx="9072000" cy="4384440"/>
+            <a:off x="504000" y="1768680"/>
+            <a:ext cx="9072000" cy="4384080"/>
           </a:xfrm>
           <a:prstGeom prst="rect">
             <a:avLst/>
@@ -2034,14 +2036,14 @@
                   <a:srgbClr val="ffffff"/>
                 </a:solidFill>
               </a:uFill>
-              <a:latin typeface="Times New Roman"/>
-            </a:endParaRPr>
-          </a:p>
-        </p:txBody>
-      </p:sp>
-      <p:sp>
-        <p:nvSpPr>
-          <p:cNvPr id="76" name="PlaceHolder 3"/>
+              <a:latin typeface="Arial"/>
+            </a:endParaRPr>
+          </a:p>
+        </p:txBody>
+      </p:sp>
+      <p:sp>
+        <p:nvSpPr>
+          <p:cNvPr id="71" name="PlaceHolder 3"/>
           <p:cNvSpPr>
             <a:spLocks noGrp="1"/>
           </p:cNvSpPr>
@@ -2051,8 +2053,8 @@
         </p:nvSpPr>
         <p:spPr>
           <a:xfrm>
-            <a:off x="504000" y="1823760"/>
-            <a:ext cx="9072000" cy="4384440"/>
+            <a:off x="504000" y="1768680"/>
+            <a:ext cx="9072000" cy="4384080"/>
           </a:xfrm>
           <a:prstGeom prst="rect">
             <a:avLst/>
@@ -2070,14 +2072,14 @@
                   <a:srgbClr val="ffffff"/>
                 </a:solidFill>
               </a:uFill>
-              <a:latin typeface="Times New Roman"/>
+              <a:latin typeface="Arial"/>
             </a:endParaRPr>
           </a:p>
         </p:txBody>
       </p:sp>
       <p:pic>
         <p:nvPicPr>
-          <p:cNvPr id="77" name="" descr=""/>
+          <p:cNvPr id="72" name="" descr=""/>
           <p:cNvPicPr/>
           <p:nvPr/>
         </p:nvPicPr>
@@ -2087,8 +2089,8 @@
         </p:blipFill>
         <p:spPr>
           <a:xfrm>
-            <a:off x="2292480" y="1823400"/>
-            <a:ext cx="5495040" cy="4384440"/>
+            <a:off x="2292480" y="1768680"/>
+            <a:ext cx="5494680" cy="4384080"/>
           </a:xfrm>
           <a:prstGeom prst="rect">
             <a:avLst/>
@@ -2100,7 +2102,7 @@
       </p:pic>
       <p:pic>
         <p:nvPicPr>
-          <p:cNvPr id="78" name="" descr=""/>
+          <p:cNvPr id="73" name="" descr=""/>
           <p:cNvPicPr/>
           <p:nvPr/>
         </p:nvPicPr>
@@ -2110,8 +2112,8 @@
         </p:blipFill>
         <p:spPr>
           <a:xfrm>
-            <a:off x="2292480" y="1823400"/>
-            <a:ext cx="5495040" cy="4384440"/>
+            <a:off x="2292480" y="1768680"/>
+            <a:ext cx="5494680" cy="4384080"/>
           </a:xfrm>
           <a:prstGeom prst="rect">
             <a:avLst/>
@@ -2145,7 +2147,7 @@
       </p:grpSpPr>
       <p:sp>
         <p:nvSpPr>
-          <p:cNvPr id="7" name="PlaceHolder 1"/>
+          <p:cNvPr id="5" name="PlaceHolder 1"/>
           <p:cNvSpPr>
             <a:spLocks noGrp="1"/>
           </p:cNvSpPr>
@@ -2155,8 +2157,8 @@
         </p:nvSpPr>
         <p:spPr>
           <a:xfrm>
-            <a:off x="504000" y="288000"/>
-            <a:ext cx="8100000" cy="1104120"/>
+            <a:off x="504000" y="301320"/>
+            <a:ext cx="9072000" cy="1261800"/>
           </a:xfrm>
           <a:prstGeom prst="rect">
             <a:avLst/>
@@ -2175,14 +2177,14 @@
                   <a:srgbClr val="ffffff"/>
                 </a:solidFill>
               </a:uFill>
-              <a:latin typeface="Times New Roman"/>
-            </a:endParaRPr>
-          </a:p>
-        </p:txBody>
-      </p:sp>
-      <p:sp>
-        <p:nvSpPr>
-          <p:cNvPr id="8" name="PlaceHolder 2"/>
+              <a:latin typeface="Arial"/>
+            </a:endParaRPr>
+          </a:p>
+        </p:txBody>
+      </p:sp>
+      <p:sp>
+        <p:nvSpPr>
+          <p:cNvPr id="6" name="PlaceHolder 2"/>
           <p:cNvSpPr>
             <a:spLocks noGrp="1"/>
           </p:cNvSpPr>
@@ -2192,8 +2194,8 @@
         </p:nvSpPr>
         <p:spPr>
           <a:xfrm>
-            <a:off x="504000" y="1823760"/>
-            <a:ext cx="9072000" cy="4384440"/>
+            <a:off x="504000" y="1768680"/>
+            <a:ext cx="9072000" cy="4384080"/>
           </a:xfrm>
           <a:prstGeom prst="rect">
             <a:avLst/>
@@ -2211,7 +2213,7 @@
                   <a:srgbClr val="ffffff"/>
                 </a:solidFill>
               </a:uFill>
-              <a:latin typeface="Times New Roman"/>
+              <a:latin typeface="Arial"/>
             </a:endParaRPr>
           </a:p>
         </p:txBody>
@@ -2240,7 +2242,7 @@
       </p:grpSpPr>
       <p:sp>
         <p:nvSpPr>
-          <p:cNvPr id="9" name="PlaceHolder 1"/>
+          <p:cNvPr id="7" name="PlaceHolder 1"/>
           <p:cNvSpPr>
             <a:spLocks noGrp="1"/>
           </p:cNvSpPr>
@@ -2250,8 +2252,8 @@
         </p:nvSpPr>
         <p:spPr>
           <a:xfrm>
-            <a:off x="504000" y="288000"/>
-            <a:ext cx="8100000" cy="1104120"/>
+            <a:off x="504000" y="301320"/>
+            <a:ext cx="9072000" cy="1261800"/>
           </a:xfrm>
           <a:prstGeom prst="rect">
             <a:avLst/>
@@ -2270,14 +2272,14 @@
                   <a:srgbClr val="ffffff"/>
                 </a:solidFill>
               </a:uFill>
-              <a:latin typeface="Times New Roman"/>
-            </a:endParaRPr>
-          </a:p>
-        </p:txBody>
-      </p:sp>
-      <p:sp>
-        <p:nvSpPr>
-          <p:cNvPr id="10" name="PlaceHolder 2"/>
+              <a:latin typeface="Arial"/>
+            </a:endParaRPr>
+          </a:p>
+        </p:txBody>
+      </p:sp>
+      <p:sp>
+        <p:nvSpPr>
+          <p:cNvPr id="8" name="PlaceHolder 2"/>
           <p:cNvSpPr>
             <a:spLocks noGrp="1"/>
           </p:cNvSpPr>
@@ -2287,8 +2289,8 @@
         </p:nvSpPr>
         <p:spPr>
           <a:xfrm>
-            <a:off x="504000" y="1823760"/>
-            <a:ext cx="4426920" cy="4384440"/>
+            <a:off x="504000" y="1768680"/>
+            <a:ext cx="4426920" cy="4384080"/>
           </a:xfrm>
           <a:prstGeom prst="rect">
             <a:avLst/>
@@ -2306,14 +2308,14 @@
                   <a:srgbClr val="ffffff"/>
                 </a:solidFill>
               </a:uFill>
-              <a:latin typeface="Times New Roman"/>
-            </a:endParaRPr>
-          </a:p>
-        </p:txBody>
-      </p:sp>
-      <p:sp>
-        <p:nvSpPr>
-          <p:cNvPr id="11" name="PlaceHolder 3"/>
+              <a:latin typeface="Arial"/>
+            </a:endParaRPr>
+          </a:p>
+        </p:txBody>
+      </p:sp>
+      <p:sp>
+        <p:nvSpPr>
+          <p:cNvPr id="9" name="PlaceHolder 3"/>
           <p:cNvSpPr>
             <a:spLocks noGrp="1"/>
           </p:cNvSpPr>
@@ -2323,8 +2325,8 @@
         </p:nvSpPr>
         <p:spPr>
           <a:xfrm>
-            <a:off x="5152680" y="1823760"/>
-            <a:ext cx="4426920" cy="4384440"/>
+            <a:off x="5152680" y="1768680"/>
+            <a:ext cx="4426920" cy="4384080"/>
           </a:xfrm>
           <a:prstGeom prst="rect">
             <a:avLst/>
@@ -2342,7 +2344,7 @@
                   <a:srgbClr val="ffffff"/>
                 </a:solidFill>
               </a:uFill>
-              <a:latin typeface="Times New Roman"/>
+              <a:latin typeface="Arial"/>
             </a:endParaRPr>
           </a:p>
         </p:txBody>
@@ -2371,7 +2373,7 @@
       </p:grpSpPr>
       <p:sp>
         <p:nvSpPr>
-          <p:cNvPr id="12" name="PlaceHolder 1"/>
+          <p:cNvPr id="10" name="PlaceHolder 1"/>
           <p:cNvSpPr>
             <a:spLocks noGrp="1"/>
           </p:cNvSpPr>
@@ -2381,8 +2383,8 @@
         </p:nvSpPr>
         <p:spPr>
           <a:xfrm>
-            <a:off x="504000" y="288000"/>
-            <a:ext cx="8100000" cy="1104120"/>
+            <a:off x="504000" y="301320"/>
+            <a:ext cx="9072000" cy="1261800"/>
           </a:xfrm>
           <a:prstGeom prst="rect">
             <a:avLst/>
@@ -2401,7 +2403,7 @@
                   <a:srgbClr val="ffffff"/>
                 </a:solidFill>
               </a:uFill>
-              <a:latin typeface="Times New Roman"/>
+              <a:latin typeface="Arial"/>
             </a:endParaRPr>
           </a:p>
         </p:txBody>
@@ -2430,7 +2432,7 @@
       </p:grpSpPr>
       <p:sp>
         <p:nvSpPr>
-          <p:cNvPr id="13" name="PlaceHolder 1"/>
+          <p:cNvPr id="11" name="PlaceHolder 1"/>
           <p:cNvSpPr>
             <a:spLocks noGrp="1"/>
           </p:cNvSpPr>
@@ -2440,8 +2442,8 @@
         </p:nvSpPr>
         <p:spPr>
           <a:xfrm>
-            <a:off x="504000" y="288000"/>
-            <a:ext cx="8100000" cy="5119200"/>
+            <a:off x="504000" y="301320"/>
+            <a:ext cx="9072000" cy="5850360"/>
           </a:xfrm>
           <a:prstGeom prst="rect">
             <a:avLst/>
@@ -2489,7 +2491,7 @@
       </p:grpSpPr>
       <p:sp>
         <p:nvSpPr>
-          <p:cNvPr id="14" name="PlaceHolder 1"/>
+          <p:cNvPr id="12" name="PlaceHolder 1"/>
           <p:cNvSpPr>
             <a:spLocks noGrp="1"/>
           </p:cNvSpPr>
@@ -2499,8 +2501,8 @@
         </p:nvSpPr>
         <p:spPr>
           <a:xfrm>
-            <a:off x="504000" y="288000"/>
-            <a:ext cx="8100000" cy="1104120"/>
+            <a:off x="504000" y="301320"/>
+            <a:ext cx="9072000" cy="1261800"/>
           </a:xfrm>
           <a:prstGeom prst="rect">
             <a:avLst/>
@@ -2519,14 +2521,14 @@
                   <a:srgbClr val="ffffff"/>
                 </a:solidFill>
               </a:uFill>
-              <a:latin typeface="Times New Roman"/>
-            </a:endParaRPr>
-          </a:p>
-        </p:txBody>
-      </p:sp>
-      <p:sp>
-        <p:nvSpPr>
-          <p:cNvPr id="15" name="PlaceHolder 2"/>
+              <a:latin typeface="Arial"/>
+            </a:endParaRPr>
+          </a:p>
+        </p:txBody>
+      </p:sp>
+      <p:sp>
+        <p:nvSpPr>
+          <p:cNvPr id="13" name="PlaceHolder 2"/>
           <p:cNvSpPr>
             <a:spLocks noGrp="1"/>
           </p:cNvSpPr>
@@ -2536,8 +2538,8 @@
         </p:nvSpPr>
         <p:spPr>
           <a:xfrm>
-            <a:off x="504000" y="1823760"/>
-            <a:ext cx="4426920" cy="2091240"/>
+            <a:off x="504000" y="1768680"/>
+            <a:ext cx="4426920" cy="2090880"/>
           </a:xfrm>
           <a:prstGeom prst="rect">
             <a:avLst/>
@@ -2555,14 +2557,14 @@
                   <a:srgbClr val="ffffff"/>
                 </a:solidFill>
               </a:uFill>
-              <a:latin typeface="Times New Roman"/>
-            </a:endParaRPr>
-          </a:p>
-        </p:txBody>
-      </p:sp>
-      <p:sp>
-        <p:nvSpPr>
-          <p:cNvPr id="16" name="PlaceHolder 3"/>
+              <a:latin typeface="Arial"/>
+            </a:endParaRPr>
+          </a:p>
+        </p:txBody>
+      </p:sp>
+      <p:sp>
+        <p:nvSpPr>
+          <p:cNvPr id="14" name="PlaceHolder 3"/>
           <p:cNvSpPr>
             <a:spLocks noGrp="1"/>
           </p:cNvSpPr>
@@ -2572,8 +2574,8 @@
         </p:nvSpPr>
         <p:spPr>
           <a:xfrm>
-            <a:off x="504000" y="4114080"/>
-            <a:ext cx="4426920" cy="2091240"/>
+            <a:off x="504000" y="4058640"/>
+            <a:ext cx="4426920" cy="2090880"/>
           </a:xfrm>
           <a:prstGeom prst="rect">
             <a:avLst/>
@@ -2591,14 +2593,14 @@
                   <a:srgbClr val="ffffff"/>
                 </a:solidFill>
               </a:uFill>
-              <a:latin typeface="Times New Roman"/>
-            </a:endParaRPr>
-          </a:p>
-        </p:txBody>
-      </p:sp>
-      <p:sp>
-        <p:nvSpPr>
-          <p:cNvPr id="17" name="PlaceHolder 4"/>
+              <a:latin typeface="Arial"/>
+            </a:endParaRPr>
+          </a:p>
+        </p:txBody>
+      </p:sp>
+      <p:sp>
+        <p:nvSpPr>
+          <p:cNvPr id="15" name="PlaceHolder 4"/>
           <p:cNvSpPr>
             <a:spLocks noGrp="1"/>
           </p:cNvSpPr>
@@ -2608,8 +2610,8 @@
         </p:nvSpPr>
         <p:spPr>
           <a:xfrm>
-            <a:off x="5152680" y="1823760"/>
-            <a:ext cx="4426920" cy="4384440"/>
+            <a:off x="5152680" y="1768680"/>
+            <a:ext cx="4426920" cy="4384080"/>
           </a:xfrm>
           <a:prstGeom prst="rect">
             <a:avLst/>
@@ -2627,7 +2629,7 @@
                   <a:srgbClr val="ffffff"/>
                 </a:solidFill>
               </a:uFill>
-              <a:latin typeface="Times New Roman"/>
+              <a:latin typeface="Arial"/>
             </a:endParaRPr>
           </a:p>
         </p:txBody>
@@ -2656,7 +2658,7 @@
       </p:grpSpPr>
       <p:sp>
         <p:nvSpPr>
-          <p:cNvPr id="18" name="PlaceHolder 1"/>
+          <p:cNvPr id="16" name="PlaceHolder 1"/>
           <p:cNvSpPr>
             <a:spLocks noGrp="1"/>
           </p:cNvSpPr>
@@ -2666,8 +2668,8 @@
         </p:nvSpPr>
         <p:spPr>
           <a:xfrm>
-            <a:off x="504000" y="288000"/>
-            <a:ext cx="8100000" cy="1104120"/>
+            <a:off x="504000" y="301320"/>
+            <a:ext cx="9072000" cy="1261800"/>
           </a:xfrm>
           <a:prstGeom prst="rect">
             <a:avLst/>
@@ -2686,14 +2688,14 @@
                   <a:srgbClr val="ffffff"/>
                 </a:solidFill>
               </a:uFill>
-              <a:latin typeface="Times New Roman"/>
-            </a:endParaRPr>
-          </a:p>
-        </p:txBody>
-      </p:sp>
-      <p:sp>
-        <p:nvSpPr>
-          <p:cNvPr id="19" name="PlaceHolder 2"/>
+              <a:latin typeface="Arial"/>
+            </a:endParaRPr>
+          </a:p>
+        </p:txBody>
+      </p:sp>
+      <p:sp>
+        <p:nvSpPr>
+          <p:cNvPr id="17" name="PlaceHolder 2"/>
           <p:cNvSpPr>
             <a:spLocks noGrp="1"/>
           </p:cNvSpPr>
@@ -2703,8 +2705,8 @@
         </p:nvSpPr>
         <p:spPr>
           <a:xfrm>
-            <a:off x="504000" y="1823760"/>
-            <a:ext cx="4426920" cy="4384440"/>
+            <a:off x="504000" y="1768680"/>
+            <a:ext cx="4426920" cy="4384080"/>
           </a:xfrm>
           <a:prstGeom prst="rect">
             <a:avLst/>
@@ -2722,14 +2724,14 @@
                   <a:srgbClr val="ffffff"/>
                 </a:solidFill>
               </a:uFill>
-              <a:latin typeface="Times New Roman"/>
-            </a:endParaRPr>
-          </a:p>
-        </p:txBody>
-      </p:sp>
-      <p:sp>
-        <p:nvSpPr>
-          <p:cNvPr id="20" name="PlaceHolder 3"/>
+              <a:latin typeface="Arial"/>
+            </a:endParaRPr>
+          </a:p>
+        </p:txBody>
+      </p:sp>
+      <p:sp>
+        <p:nvSpPr>
+          <p:cNvPr id="18" name="PlaceHolder 3"/>
           <p:cNvSpPr>
             <a:spLocks noGrp="1"/>
           </p:cNvSpPr>
@@ -2739,8 +2741,8 @@
         </p:nvSpPr>
         <p:spPr>
           <a:xfrm>
-            <a:off x="5152680" y="1823760"/>
-            <a:ext cx="4426920" cy="2091240"/>
+            <a:off x="5152680" y="1768680"/>
+            <a:ext cx="4426920" cy="2090880"/>
           </a:xfrm>
           <a:prstGeom prst="rect">
             <a:avLst/>
@@ -2758,14 +2760,14 @@
                   <a:srgbClr val="ffffff"/>
                 </a:solidFill>
               </a:uFill>
-              <a:latin typeface="Times New Roman"/>
-            </a:endParaRPr>
-          </a:p>
-        </p:txBody>
-      </p:sp>
-      <p:sp>
-        <p:nvSpPr>
-          <p:cNvPr id="21" name="PlaceHolder 4"/>
+              <a:latin typeface="Arial"/>
+            </a:endParaRPr>
+          </a:p>
+        </p:txBody>
+      </p:sp>
+      <p:sp>
+        <p:nvSpPr>
+          <p:cNvPr id="19" name="PlaceHolder 4"/>
           <p:cNvSpPr>
             <a:spLocks noGrp="1"/>
           </p:cNvSpPr>
@@ -2775,8 +2777,8 @@
         </p:nvSpPr>
         <p:spPr>
           <a:xfrm>
-            <a:off x="5152680" y="4114080"/>
-            <a:ext cx="4426920" cy="2091240"/>
+            <a:off x="5152680" y="4058640"/>
+            <a:ext cx="4426920" cy="2090880"/>
           </a:xfrm>
           <a:prstGeom prst="rect">
             <a:avLst/>
@@ -2794,7 +2796,7 @@
                   <a:srgbClr val="ffffff"/>
                 </a:solidFill>
               </a:uFill>
-              <a:latin typeface="Times New Roman"/>
+              <a:latin typeface="Arial"/>
             </a:endParaRPr>
           </a:p>
         </p:txBody>
@@ -2823,7 +2825,7 @@
       </p:grpSpPr>
       <p:sp>
         <p:nvSpPr>
-          <p:cNvPr id="22" name="PlaceHolder 1"/>
+          <p:cNvPr id="20" name="PlaceHolder 1"/>
           <p:cNvSpPr>
             <a:spLocks noGrp="1"/>
           </p:cNvSpPr>
@@ -2833,8 +2835,8 @@
         </p:nvSpPr>
         <p:spPr>
           <a:xfrm>
-            <a:off x="504000" y="288000"/>
-            <a:ext cx="8100000" cy="1104120"/>
+            <a:off x="504000" y="301320"/>
+            <a:ext cx="9072000" cy="1261800"/>
           </a:xfrm>
           <a:prstGeom prst="rect">
             <a:avLst/>
@@ -2853,14 +2855,14 @@
                   <a:srgbClr val="ffffff"/>
                 </a:solidFill>
               </a:uFill>
-              <a:latin typeface="Times New Roman"/>
-            </a:endParaRPr>
-          </a:p>
-        </p:txBody>
-      </p:sp>
-      <p:sp>
-        <p:nvSpPr>
-          <p:cNvPr id="23" name="PlaceHolder 2"/>
+              <a:latin typeface="Arial"/>
+            </a:endParaRPr>
+          </a:p>
+        </p:txBody>
+      </p:sp>
+      <p:sp>
+        <p:nvSpPr>
+          <p:cNvPr id="21" name="PlaceHolder 2"/>
           <p:cNvSpPr>
             <a:spLocks noGrp="1"/>
           </p:cNvSpPr>
@@ -2870,8 +2872,8 @@
         </p:nvSpPr>
         <p:spPr>
           <a:xfrm>
-            <a:off x="504000" y="1823760"/>
-            <a:ext cx="4426920" cy="2091240"/>
+            <a:off x="504000" y="1768680"/>
+            <a:ext cx="4426920" cy="2090880"/>
           </a:xfrm>
           <a:prstGeom prst="rect">
             <a:avLst/>
@@ -2889,14 +2891,14 @@
                   <a:srgbClr val="ffffff"/>
                 </a:solidFill>
               </a:uFill>
-              <a:latin typeface="Times New Roman"/>
-            </a:endParaRPr>
-          </a:p>
-        </p:txBody>
-      </p:sp>
-      <p:sp>
-        <p:nvSpPr>
-          <p:cNvPr id="24" name="PlaceHolder 3"/>
+              <a:latin typeface="Arial"/>
+            </a:endParaRPr>
+          </a:p>
+        </p:txBody>
+      </p:sp>
+      <p:sp>
+        <p:nvSpPr>
+          <p:cNvPr id="22" name="PlaceHolder 3"/>
           <p:cNvSpPr>
             <a:spLocks noGrp="1"/>
           </p:cNvSpPr>
@@ -2906,8 +2908,8 @@
         </p:nvSpPr>
         <p:spPr>
           <a:xfrm>
-            <a:off x="5152680" y="1823760"/>
-            <a:ext cx="4426920" cy="2091240"/>
+            <a:off x="5152680" y="1768680"/>
+            <a:ext cx="4426920" cy="2090880"/>
           </a:xfrm>
           <a:prstGeom prst="rect">
             <a:avLst/>
@@ -2925,14 +2927,14 @@
                   <a:srgbClr val="ffffff"/>
                 </a:solidFill>
               </a:uFill>
-              <a:latin typeface="Times New Roman"/>
-            </a:endParaRPr>
-          </a:p>
-        </p:txBody>
-      </p:sp>
-      <p:sp>
-        <p:nvSpPr>
-          <p:cNvPr id="25" name="PlaceHolder 4"/>
+              <a:latin typeface="Arial"/>
+            </a:endParaRPr>
+          </a:p>
+        </p:txBody>
+      </p:sp>
+      <p:sp>
+        <p:nvSpPr>
+          <p:cNvPr id="23" name="PlaceHolder 4"/>
           <p:cNvSpPr>
             <a:spLocks noGrp="1"/>
           </p:cNvSpPr>
@@ -2942,8 +2944,8 @@
         </p:nvSpPr>
         <p:spPr>
           <a:xfrm>
-            <a:off x="504000" y="4114080"/>
-            <a:ext cx="9072000" cy="2091240"/>
+            <a:off x="504000" y="4058640"/>
+            <a:ext cx="9072000" cy="2090880"/>
           </a:xfrm>
           <a:prstGeom prst="rect">
             <a:avLst/>
@@ -2961,7 +2963,7 @@
                   <a:srgbClr val="ffffff"/>
                 </a:solidFill>
               </a:uFill>
-              <a:latin typeface="Times New Roman"/>
+              <a:latin typeface="Arial"/>
             </a:endParaRPr>
           </a:p>
         </p:txBody>
@@ -2988,9 +2990,32 @@
           <a:chExt cx="0" cy="0"/>
         </a:xfrm>
       </p:grpSpPr>
-      <p:sp>
-        <p:nvSpPr>
-          <p:cNvPr id="0" name="PlaceHolder 1"/>
+      <p:pic>
+        <p:nvPicPr>
+          <p:cNvPr id="0" name="" descr=""/>
+          <p:cNvPicPr/>
+          <p:nvPr/>
+        </p:nvPicPr>
+        <p:blipFill>
+          <a:blip r:embed="rId2"/>
+          <a:stretch/>
+        </p:blipFill>
+        <p:spPr>
+          <a:xfrm>
+            <a:off x="0" y="0"/>
+            <a:ext cx="10079280" cy="7555320"/>
+          </a:xfrm>
+          <a:prstGeom prst="rect">
+            <a:avLst/>
+          </a:prstGeom>
+          <a:ln>
+            <a:noFill/>
+          </a:ln>
+        </p:spPr>
+      </p:pic>
+      <p:sp>
+        <p:nvSpPr>
+          <p:cNvPr id="1" name="PlaceHolder 1"/>
           <p:cNvSpPr>
             <a:spLocks noGrp="1"/>
           </p:cNvSpPr>
@@ -3000,8 +3025,8 @@
         </p:nvSpPr>
         <p:spPr>
           <a:xfrm>
-            <a:off x="504000" y="301320"/>
-            <a:ext cx="9071640" cy="1262160"/>
+            <a:off x="504000" y="288000"/>
+            <a:ext cx="8099640" cy="1103760"/>
           </a:xfrm>
           <a:prstGeom prst="rect">
             <a:avLst/>
@@ -3011,20 +3036,6 @@
           <a:bodyPr lIns="0" rIns="0" tIns="0" bIns="0" anchor="ctr"/>
           <a:p>
             <a:pPr algn="ctr"/>
-            <a:r>
-              <a:rPr b="0" lang="en-IN" sz="4400" spc="-1" strike="noStrike">
-                <a:solidFill>
-                  <a:srgbClr val="000000"/>
-                </a:solidFill>
-                <a:uFill>
-                  <a:solidFill>
-                    <a:srgbClr val="ffffff"/>
-                  </a:solidFill>
-                </a:uFill>
-                <a:latin typeface="Arial"/>
-              </a:rPr>
-              <a:t>Click to edit the title text format</a:t>
-            </a:r>
             <a:endParaRPr b="0" lang="en-IN" sz="4400" spc="-1" strike="noStrike">
               <a:solidFill>
                 <a:srgbClr val="000000"/>
@@ -3041,7 +3052,7 @@
       </p:sp>
       <p:sp>
         <p:nvSpPr>
-          <p:cNvPr id="1" name="PlaceHolder 2"/>
+          <p:cNvPr id="2" name="PlaceHolder 2"/>
           <p:cNvSpPr>
             <a:spLocks noGrp="1"/>
           </p:cNvSpPr>
@@ -3051,8 +3062,8 @@
         </p:nvSpPr>
         <p:spPr>
           <a:xfrm>
-            <a:off x="504000" y="1769040"/>
-            <a:ext cx="9071640" cy="4384440"/>
+            <a:off x="504000" y="1768680"/>
+            <a:ext cx="9072000" cy="4384080"/>
           </a:xfrm>
           <a:prstGeom prst="rect">
             <a:avLst/>
@@ -3307,174 +3318,22 @@
           </a:p>
         </p:txBody>
       </p:sp>
-      <p:sp>
-        <p:nvSpPr>
-          <p:cNvPr id="2" name="PlaceHolder 3"/>
-          <p:cNvSpPr>
-            <a:spLocks noGrp="1"/>
-          </p:cNvSpPr>
-          <p:nvPr>
-            <p:ph type="dt"/>
-          </p:nvPr>
-        </p:nvSpPr>
-        <p:spPr>
-          <a:xfrm>
-            <a:off x="504000" y="6887160"/>
-            <a:ext cx="2348280" cy="521280"/>
-          </a:xfrm>
-          <a:prstGeom prst="rect">
-            <a:avLst/>
-          </a:prstGeom>
-        </p:spPr>
-        <p:txBody>
-          <a:bodyPr lIns="0" rIns="0" tIns="0" bIns="0"/>
-          <a:p>
-            <a:r>
-              <a:rPr b="0" lang="en-IN" sz="1400" spc="-1" strike="noStrike">
-                <a:solidFill>
-                  <a:srgbClr val="000000"/>
-                </a:solidFill>
-                <a:uFill>
-                  <a:solidFill>
-                    <a:srgbClr val="ffffff"/>
-                  </a:solidFill>
-                </a:uFill>
-                <a:latin typeface="Times New Roman"/>
-              </a:rPr>
-              <a:t>&lt;date/time&gt;</a:t>
-            </a:r>
-            <a:endParaRPr b="0" lang="en-IN" sz="1400" spc="-1" strike="noStrike">
-              <a:solidFill>
-                <a:srgbClr val="000000"/>
-              </a:solidFill>
-              <a:uFill>
-                <a:solidFill>
-                  <a:srgbClr val="ffffff"/>
-                </a:solidFill>
-              </a:uFill>
-              <a:latin typeface="Times New Roman"/>
-            </a:endParaRPr>
-          </a:p>
-        </p:txBody>
-      </p:sp>
-      <p:sp>
-        <p:nvSpPr>
-          <p:cNvPr id="3" name="PlaceHolder 4"/>
-          <p:cNvSpPr>
-            <a:spLocks noGrp="1"/>
-          </p:cNvSpPr>
-          <p:nvPr>
-            <p:ph type="ftr"/>
-          </p:nvPr>
-        </p:nvSpPr>
-        <p:spPr>
-          <a:xfrm>
-            <a:off x="3447360" y="6887160"/>
-            <a:ext cx="3195000" cy="521280"/>
-          </a:xfrm>
-          <a:prstGeom prst="rect">
-            <a:avLst/>
-          </a:prstGeom>
-        </p:spPr>
-        <p:txBody>
-          <a:bodyPr lIns="0" rIns="0" tIns="0" bIns="0"/>
-          <a:p>
-            <a:pPr algn="ctr"/>
-            <a:r>
-              <a:rPr b="0" lang="en-IN" sz="1400" spc="-1" strike="noStrike">
-                <a:solidFill>
-                  <a:srgbClr val="000000"/>
-                </a:solidFill>
-                <a:uFill>
-                  <a:solidFill>
-                    <a:srgbClr val="ffffff"/>
-                  </a:solidFill>
-                </a:uFill>
-                <a:latin typeface="Times New Roman"/>
-              </a:rPr>
-              <a:t>&lt;footer&gt;</a:t>
-            </a:r>
-            <a:endParaRPr b="0" lang="en-IN" sz="1400" spc="-1" strike="noStrike">
-              <a:solidFill>
-                <a:srgbClr val="000000"/>
-              </a:solidFill>
-              <a:uFill>
-                <a:solidFill>
-                  <a:srgbClr val="ffffff"/>
-                </a:solidFill>
-              </a:uFill>
-              <a:latin typeface="Times New Roman"/>
-            </a:endParaRPr>
-          </a:p>
-        </p:txBody>
-      </p:sp>
-      <p:sp>
-        <p:nvSpPr>
-          <p:cNvPr id="4" name="PlaceHolder 5"/>
-          <p:cNvSpPr>
-            <a:spLocks noGrp="1"/>
-          </p:cNvSpPr>
-          <p:nvPr>
-            <p:ph type="sldNum"/>
-          </p:nvPr>
-        </p:nvSpPr>
-        <p:spPr>
-          <a:xfrm>
-            <a:off x="7227360" y="6887160"/>
-            <a:ext cx="2348280" cy="521280"/>
-          </a:xfrm>
-          <a:prstGeom prst="rect">
-            <a:avLst/>
-          </a:prstGeom>
-        </p:spPr>
-        <p:txBody>
-          <a:bodyPr lIns="0" rIns="0" tIns="0" bIns="0"/>
-          <a:p>
-            <a:pPr algn="r"/>
-            <a:fld id="{61F3B1AF-0617-4071-83EF-B14E6D98992A}" type="slidenum">
-              <a:rPr b="0" lang="en-IN" sz="1400" spc="-1" strike="noStrike">
-                <a:solidFill>
-                  <a:srgbClr val="000000"/>
-                </a:solidFill>
-                <a:uFill>
-                  <a:solidFill>
-                    <a:srgbClr val="ffffff"/>
-                  </a:solidFill>
-                </a:uFill>
-                <a:latin typeface="Times New Roman"/>
-              </a:rPr>
-              <a:t>&lt;number&gt;</a:t>
-            </a:fld>
-            <a:endParaRPr b="0" lang="en-IN" sz="1400" spc="-1" strike="noStrike">
-              <a:solidFill>
-                <a:srgbClr val="000000"/>
-              </a:solidFill>
-              <a:uFill>
-                <a:solidFill>
-                  <a:srgbClr val="ffffff"/>
-                </a:solidFill>
-              </a:uFill>
-              <a:latin typeface="Times New Roman"/>
-            </a:endParaRPr>
-          </a:p>
-        </p:txBody>
-      </p:sp>
     </p:spTree>
   </p:cSld>
   <p:clrMap bg1="lt1" bg2="lt2" tx1="dk1" tx2="dk2" accent1="accent1" accent2="accent2" accent3="accent3" accent4="accent4" accent5="accent5" accent6="accent6" hlink="hlink" folHlink="folHlink"/>
   <p:sldLayoutIdLst>
-    <p:sldLayoutId id="2147483649" r:id="rId2"/>
-    <p:sldLayoutId id="2147483650" r:id="rId3"/>
-    <p:sldLayoutId id="2147483651" r:id="rId4"/>
-    <p:sldLayoutId id="2147483652" r:id="rId5"/>
-    <p:sldLayoutId id="2147483653" r:id="rId6"/>
-    <p:sldLayoutId id="2147483654" r:id="rId7"/>
-    <p:sldLayoutId id="2147483655" r:id="rId8"/>
-    <p:sldLayoutId id="2147483656" r:id="rId9"/>
-    <p:sldLayoutId id="2147483657" r:id="rId10"/>
-    <p:sldLayoutId id="2147483658" r:id="rId11"/>
-    <p:sldLayoutId id="2147483659" r:id="rId12"/>
-    <p:sldLayoutId id="2147483660" r:id="rId13"/>
+    <p:sldLayoutId id="2147483649" r:id="rId3"/>
+    <p:sldLayoutId id="2147483650" r:id="rId4"/>
+    <p:sldLayoutId id="2147483651" r:id="rId5"/>
+    <p:sldLayoutId id="2147483652" r:id="rId6"/>
+    <p:sldLayoutId id="2147483653" r:id="rId7"/>
+    <p:sldLayoutId id="2147483654" r:id="rId8"/>
+    <p:sldLayoutId id="2147483655" r:id="rId9"/>
+    <p:sldLayoutId id="2147483656" r:id="rId10"/>
+    <p:sldLayoutId id="2147483657" r:id="rId11"/>
+    <p:sldLayoutId id="2147483658" r:id="rId12"/>
+    <p:sldLayoutId id="2147483659" r:id="rId13"/>
+    <p:sldLayoutId id="2147483660" r:id="rId14"/>
   </p:sldLayoutIdLst>
 </p:sldMaster>
 </file>
@@ -3498,7 +3357,7 @@
       </p:grpSpPr>
       <p:pic>
         <p:nvPicPr>
-          <p:cNvPr id="39" name="" descr=""/>
+          <p:cNvPr id="37" name="" descr=""/>
           <p:cNvPicPr/>
           <p:nvPr/>
         </p:nvPicPr>
@@ -3509,7 +3368,7 @@
         <p:spPr>
           <a:xfrm>
             <a:off x="0" y="0"/>
-            <a:ext cx="10079640" cy="7555680"/>
+            <a:ext cx="10079280" cy="7555320"/>
           </a:xfrm>
           <a:prstGeom prst="rect">
             <a:avLst/>
@@ -3521,7 +3380,7 @@
       </p:pic>
       <p:sp>
         <p:nvSpPr>
-          <p:cNvPr id="40" name="PlaceHolder 1"/>
+          <p:cNvPr id="38" name="PlaceHolder 1"/>
           <p:cNvSpPr>
             <a:spLocks noGrp="1"/>
           </p:cNvSpPr>
@@ -3531,8 +3390,8 @@
         </p:nvSpPr>
         <p:spPr>
           <a:xfrm>
-            <a:off x="504000" y="288000"/>
-            <a:ext cx="8100000" cy="1104120"/>
+            <a:off x="504000" y="301320"/>
+            <a:ext cx="9072000" cy="1261800"/>
           </a:xfrm>
           <a:prstGeom prst="rect">
             <a:avLst/>
@@ -3552,7 +3411,7 @@
                     <a:srgbClr val="ffffff"/>
                   </a:solidFill>
                 </a:uFill>
-                <a:latin typeface="Times New Roman"/>
+                <a:latin typeface="Arial"/>
               </a:rPr>
               <a:t>Click to edit the title text format</a:t>
             </a:r>
@@ -3565,14 +3424,14 @@
                   <a:srgbClr val="ffffff"/>
                 </a:solidFill>
               </a:uFill>
-              <a:latin typeface="Times New Roman"/>
-            </a:endParaRPr>
-          </a:p>
-        </p:txBody>
-      </p:sp>
-      <p:sp>
-        <p:nvSpPr>
-          <p:cNvPr id="41" name="PlaceHolder 2"/>
+              <a:latin typeface="Arial"/>
+            </a:endParaRPr>
+          </a:p>
+        </p:txBody>
+      </p:sp>
+      <p:sp>
+        <p:nvSpPr>
+          <p:cNvPr id="39" name="PlaceHolder 2"/>
           <p:cNvSpPr>
             <a:spLocks noGrp="1"/>
           </p:cNvSpPr>
@@ -3582,8 +3441,8 @@
         </p:nvSpPr>
         <p:spPr>
           <a:xfrm>
-            <a:off x="504000" y="1823760"/>
-            <a:ext cx="9072000" cy="4384440"/>
+            <a:off x="504000" y="1768680"/>
+            <a:ext cx="9072000" cy="4384080"/>
           </a:xfrm>
           <a:prstGeom prst="rect">
             <a:avLst/>
@@ -3610,7 +3469,7 @@
                     <a:srgbClr val="ffffff"/>
                   </a:solidFill>
                 </a:uFill>
-                <a:latin typeface="Times New Roman"/>
+                <a:latin typeface="Arial"/>
               </a:rPr>
               <a:t>Click to edit the outline text format</a:t>
             </a:r>
@@ -3623,7 +3482,7 @@
                   <a:srgbClr val="ffffff"/>
                 </a:solidFill>
               </a:uFill>
-              <a:latin typeface="Times New Roman"/>
+              <a:latin typeface="Arial"/>
             </a:endParaRPr>
           </a:p>
           <a:p>
@@ -3645,7 +3504,7 @@
                     <a:srgbClr val="ffffff"/>
                   </a:solidFill>
                 </a:uFill>
-                <a:latin typeface="Times New Roman"/>
+                <a:latin typeface="Arial"/>
               </a:rPr>
               <a:t>Second Outline Level</a:t>
             </a:r>
@@ -3658,7 +3517,7 @@
                   <a:srgbClr val="ffffff"/>
                 </a:solidFill>
               </a:uFill>
-              <a:latin typeface="Times New Roman"/>
+              <a:latin typeface="Arial"/>
             </a:endParaRPr>
           </a:p>
           <a:p>
@@ -3680,7 +3539,7 @@
                     <a:srgbClr val="ffffff"/>
                   </a:solidFill>
                 </a:uFill>
-                <a:latin typeface="Times New Roman"/>
+                <a:latin typeface="Arial"/>
               </a:rPr>
               <a:t>Third Outline Level</a:t>
             </a:r>
@@ -3693,7 +3552,7 @@
                   <a:srgbClr val="ffffff"/>
                 </a:solidFill>
               </a:uFill>
-              <a:latin typeface="Times New Roman"/>
+              <a:latin typeface="Arial"/>
             </a:endParaRPr>
           </a:p>
           <a:p>
@@ -3715,7 +3574,7 @@
                     <a:srgbClr val="ffffff"/>
                   </a:solidFill>
                 </a:uFill>
-                <a:latin typeface="Times New Roman"/>
+                <a:latin typeface="Arial"/>
               </a:rPr>
               <a:t>Fourth Outline Level</a:t>
             </a:r>
@@ -3728,7 +3587,7 @@
                   <a:srgbClr val="ffffff"/>
                 </a:solidFill>
               </a:uFill>
-              <a:latin typeface="Times New Roman"/>
+              <a:latin typeface="Arial"/>
             </a:endParaRPr>
           </a:p>
           <a:p>
@@ -3750,7 +3609,7 @@
                     <a:srgbClr val="ffffff"/>
                   </a:solidFill>
                 </a:uFill>
-                <a:latin typeface="Times New Roman"/>
+                <a:latin typeface="Arial"/>
               </a:rPr>
               <a:t>Fifth Outline Level</a:t>
             </a:r>
@@ -3763,7 +3622,7 @@
                   <a:srgbClr val="ffffff"/>
                 </a:solidFill>
               </a:uFill>
-              <a:latin typeface="Times New Roman"/>
+              <a:latin typeface="Arial"/>
             </a:endParaRPr>
           </a:p>
           <a:p>
@@ -3785,7 +3644,7 @@
                     <a:srgbClr val="ffffff"/>
                   </a:solidFill>
                 </a:uFill>
-                <a:latin typeface="Times New Roman"/>
+                <a:latin typeface="Arial"/>
               </a:rPr>
               <a:t>Sixth Outline Level</a:t>
             </a:r>
@@ -3798,7 +3657,7 @@
                   <a:srgbClr val="ffffff"/>
                 </a:solidFill>
               </a:uFill>
-              <a:latin typeface="Times New Roman"/>
+              <a:latin typeface="Arial"/>
             </a:endParaRPr>
           </a:p>
           <a:p>
@@ -3820,7 +3679,7 @@
                     <a:srgbClr val="ffffff"/>
                   </a:solidFill>
                 </a:uFill>
-                <a:latin typeface="Times New Roman"/>
+                <a:latin typeface="Arial"/>
               </a:rPr>
               <a:t>Seventh Outline Level</a:t>
             </a:r>
@@ -3833,159 +3692,7 @@
                   <a:srgbClr val="ffffff"/>
                 </a:solidFill>
               </a:uFill>
-              <a:latin typeface="Times New Roman"/>
-            </a:endParaRPr>
-          </a:p>
-        </p:txBody>
-      </p:sp>
-      <p:sp>
-        <p:nvSpPr>
-          <p:cNvPr id="42" name="PlaceHolder 3"/>
-          <p:cNvSpPr>
-            <a:spLocks noGrp="1"/>
-          </p:cNvSpPr>
-          <p:nvPr>
-            <p:ph type="dt"/>
-          </p:nvPr>
-        </p:nvSpPr>
-        <p:spPr>
-          <a:xfrm>
-            <a:off x="504000" y="6886800"/>
-            <a:ext cx="2348280" cy="521280"/>
-          </a:xfrm>
-          <a:prstGeom prst="rect">
-            <a:avLst/>
-          </a:prstGeom>
-        </p:spPr>
-        <p:txBody>
-          <a:bodyPr lIns="0" rIns="0" tIns="0" bIns="0"/>
-          <a:p>
-            <a:r>
-              <a:rPr b="0" lang="en-IN" sz="1400" spc="-1" strike="noStrike">
-                <a:solidFill>
-                  <a:srgbClr val="000000"/>
-                </a:solidFill>
-                <a:uFill>
-                  <a:solidFill>
-                    <a:srgbClr val="ffffff"/>
-                  </a:solidFill>
-                </a:uFill>
-                <a:latin typeface="Times New Roman"/>
-              </a:rPr>
-              <a:t>&lt;date/time&gt;</a:t>
-            </a:r>
-            <a:endParaRPr b="0" lang="en-IN" sz="1400" spc="-1" strike="noStrike">
-              <a:solidFill>
-                <a:srgbClr val="000000"/>
-              </a:solidFill>
-              <a:uFill>
-                <a:solidFill>
-                  <a:srgbClr val="ffffff"/>
-                </a:solidFill>
-              </a:uFill>
-              <a:latin typeface="Times New Roman"/>
-            </a:endParaRPr>
-          </a:p>
-        </p:txBody>
-      </p:sp>
-      <p:sp>
-        <p:nvSpPr>
-          <p:cNvPr id="43" name="PlaceHolder 4"/>
-          <p:cNvSpPr>
-            <a:spLocks noGrp="1"/>
-          </p:cNvSpPr>
-          <p:nvPr>
-            <p:ph type="ftr"/>
-          </p:nvPr>
-        </p:nvSpPr>
-        <p:spPr>
-          <a:xfrm>
-            <a:off x="3447360" y="6886800"/>
-            <a:ext cx="3195000" cy="521280"/>
-          </a:xfrm>
-          <a:prstGeom prst="rect">
-            <a:avLst/>
-          </a:prstGeom>
-        </p:spPr>
-        <p:txBody>
-          <a:bodyPr lIns="0" rIns="0" tIns="0" bIns="0"/>
-          <a:p>
-            <a:pPr algn="ctr"/>
-            <a:r>
-              <a:rPr b="0" lang="en-IN" sz="1400" spc="-1" strike="noStrike">
-                <a:solidFill>
-                  <a:srgbClr val="000000"/>
-                </a:solidFill>
-                <a:uFill>
-                  <a:solidFill>
-                    <a:srgbClr val="ffffff"/>
-                  </a:solidFill>
-                </a:uFill>
-                <a:latin typeface="Times New Roman"/>
-              </a:rPr>
-              <a:t>&lt;footer&gt;</a:t>
-            </a:r>
-            <a:endParaRPr b="0" lang="en-IN" sz="1400" spc="-1" strike="noStrike">
-              <a:solidFill>
-                <a:srgbClr val="000000"/>
-              </a:solidFill>
-              <a:uFill>
-                <a:solidFill>
-                  <a:srgbClr val="ffffff"/>
-                </a:solidFill>
-              </a:uFill>
-              <a:latin typeface="Times New Roman"/>
-            </a:endParaRPr>
-          </a:p>
-        </p:txBody>
-      </p:sp>
-      <p:sp>
-        <p:nvSpPr>
-          <p:cNvPr id="44" name="PlaceHolder 5"/>
-          <p:cNvSpPr>
-            <a:spLocks noGrp="1"/>
-          </p:cNvSpPr>
-          <p:nvPr>
-            <p:ph type="sldNum"/>
-          </p:nvPr>
-        </p:nvSpPr>
-        <p:spPr>
-          <a:xfrm>
-            <a:off x="7227360" y="6886800"/>
-            <a:ext cx="2348280" cy="521280"/>
-          </a:xfrm>
-          <a:prstGeom prst="rect">
-            <a:avLst/>
-          </a:prstGeom>
-        </p:spPr>
-        <p:txBody>
-          <a:bodyPr lIns="0" rIns="0" tIns="0" bIns="0"/>
-          <a:p>
-            <a:pPr algn="r"/>
-            <a:fld id="{13C49368-F5DC-4E89-99D7-92A52138F95F}" type="slidenum">
-              <a:rPr b="0" lang="en-IN" sz="1400" spc="-1" strike="noStrike">
-                <a:solidFill>
-                  <a:srgbClr val="000000"/>
-                </a:solidFill>
-                <a:uFill>
-                  <a:solidFill>
-                    <a:srgbClr val="ffffff"/>
-                  </a:solidFill>
-                </a:uFill>
-                <a:latin typeface="Times New Roman"/>
-              </a:rPr>
-              <a:t>&lt;number&gt;</a:t>
-            </a:fld>
-            <a:endParaRPr b="0" lang="en-IN" sz="1400" spc="-1" strike="noStrike">
-              <a:solidFill>
-                <a:srgbClr val="000000"/>
-              </a:solidFill>
-              <a:uFill>
-                <a:solidFill>
-                  <a:srgbClr val="ffffff"/>
-                </a:solidFill>
-              </a:uFill>
-              <a:latin typeface="Times New Roman"/>
+              <a:latin typeface="Arial"/>
             </a:endParaRPr>
           </a:p>
         </p:txBody>
@@ -4029,14 +3736,14 @@
       </p:grpSpPr>
       <p:sp>
         <p:nvSpPr>
-          <p:cNvPr id="79" name="TextShape 1"/>
-          <p:cNvSpPr txBox="1"/>
+          <p:cNvPr id="74" name="CustomShape 1"/>
+          <p:cNvSpPr/>
           <p:nvPr/>
         </p:nvSpPr>
         <p:spPr>
           <a:xfrm>
             <a:off x="504000" y="288000"/>
-            <a:ext cx="8100000" cy="1104120"/>
+            <a:ext cx="8099640" cy="1103760"/>
           </a:xfrm>
           <a:prstGeom prst="rect">
             <a:avLst/>
@@ -4046,10 +3753,20 @@
             <a:noFill/>
           </a:ln>
         </p:spPr>
+        <p:style>
+          <a:lnRef idx="0"/>
+          <a:fillRef idx="0"/>
+          <a:effectRef idx="0"/>
+          <a:fontRef idx="minor"/>
+        </p:style>
         <p:txBody>
           <a:bodyPr lIns="0" rIns="0" tIns="0" bIns="0" anchor="ctr"/>
           <a:p>
-            <a:pPr algn="ctr"/>
+            <a:pPr algn="ctr">
+              <a:lnSpc>
+                <a:spcPct val="100000"/>
+              </a:lnSpc>
+            </a:pPr>
             <a:r>
               <a:rPr b="0" lang="en-IN" sz="4400" spc="-1" strike="noStrike">
                 <a:solidFill>
@@ -4064,30 +3781,30 @@
               </a:rPr>
               <a:t>Design Pattern</a:t>
             </a:r>
-            <a:endParaRPr b="0" lang="en-IN" sz="4400" spc="-1" strike="noStrike">
-              <a:solidFill>
-                <a:srgbClr val="000000"/>
-              </a:solidFill>
-              <a:uFill>
-                <a:solidFill>
-                  <a:srgbClr val="ffffff"/>
-                </a:solidFill>
-              </a:uFill>
-              <a:latin typeface="Times New Roman"/>
-            </a:endParaRPr>
-          </a:p>
-        </p:txBody>
-      </p:sp>
-      <p:sp>
-        <p:nvSpPr>
-          <p:cNvPr id="80" name="TextShape 2"/>
-          <p:cNvSpPr txBox="1"/>
+            <a:endParaRPr b="0" lang="en-IN" sz="1800" spc="-1" strike="noStrike">
+              <a:solidFill>
+                <a:srgbClr val="000000"/>
+              </a:solidFill>
+              <a:uFill>
+                <a:solidFill>
+                  <a:srgbClr val="ffffff"/>
+                </a:solidFill>
+              </a:uFill>
+              <a:latin typeface="Arial"/>
+            </a:endParaRPr>
+          </a:p>
+        </p:txBody>
+      </p:sp>
+      <p:sp>
+        <p:nvSpPr>
+          <p:cNvPr id="75" name="CustomShape 2"/>
+          <p:cNvSpPr/>
           <p:nvPr/>
         </p:nvSpPr>
         <p:spPr>
           <a:xfrm>
             <a:off x="504000" y="1823760"/>
-            <a:ext cx="9072000" cy="4384440"/>
+            <a:ext cx="9071640" cy="4384080"/>
           </a:xfrm>
           <a:prstGeom prst="rect">
             <a:avLst/>
@@ -4097,10 +3814,20 @@
             <a:noFill/>
           </a:ln>
         </p:spPr>
+        <p:style>
+          <a:lnRef idx="0"/>
+          <a:fillRef idx="0"/>
+          <a:effectRef idx="0"/>
+          <a:fontRef idx="minor"/>
+        </p:style>
         <p:txBody>
           <a:bodyPr lIns="0" rIns="0" tIns="0" bIns="0" anchor="ctr"/>
           <a:p>
-            <a:pPr algn="ctr"/>
+            <a:pPr algn="ctr">
+              <a:lnSpc>
+                <a:spcPct val="100000"/>
+              </a:lnSpc>
+            </a:pPr>
             <a:r>
               <a:rPr b="0" lang="en-IN" sz="3200" spc="-1" strike="noStrike">
                 <a:solidFill>
@@ -4115,7 +3842,7 @@
               </a:rPr>
               <a:t>What is design patterns?</a:t>
             </a:r>
-            <a:endParaRPr b="0" lang="en-IN" sz="3200" spc="-1" strike="noStrike">
+            <a:endParaRPr b="0" lang="en-IN" sz="1800" spc="-1" strike="noStrike">
               <a:solidFill>
                 <a:srgbClr val="000000"/>
               </a:solidFill>
@@ -4180,14 +3907,14 @@
       </p:grpSpPr>
       <p:sp>
         <p:nvSpPr>
-          <p:cNvPr id="89" name="TextShape 1"/>
-          <p:cNvSpPr txBox="1"/>
+          <p:cNvPr id="84" name="CustomShape 1"/>
+          <p:cNvSpPr/>
           <p:nvPr/>
         </p:nvSpPr>
         <p:spPr>
           <a:xfrm>
             <a:off x="756000" y="1504800"/>
-            <a:ext cx="8100000" cy="5119200"/>
+            <a:ext cx="9179640" cy="5118840"/>
           </a:xfrm>
           <a:prstGeom prst="rect">
             <a:avLst/>
@@ -4197,10 +3924,19 @@
             <a:noFill/>
           </a:ln>
         </p:spPr>
+        <p:style>
+          <a:lnRef idx="0"/>
+          <a:fillRef idx="0"/>
+          <a:effectRef idx="0"/>
+          <a:fontRef idx="minor"/>
+        </p:style>
         <p:txBody>
           <a:bodyPr lIns="0" rIns="0" tIns="0" bIns="0" anchor="ctr"/>
           <a:p>
-            <a:pPr algn="ctr">
+            <a:pPr marL="216000" indent="-216000" algn="ctr">
+              <a:lnSpc>
+                <a:spcPct val="100000"/>
+              </a:lnSpc>
               <a:buClr>
                 <a:srgbClr val="000000"/>
               </a:buClr>
@@ -4222,20 +3958,23 @@
               </a:rPr>
               <a:t> </a:t>
             </a:r>
-            <a:endParaRPr b="0" lang="en-IN" sz="3200" spc="-1" strike="noStrike">
-              <a:solidFill>
-                <a:srgbClr val="000000"/>
-              </a:solidFill>
-              <a:uFill>
-                <a:solidFill>
-                  <a:srgbClr val="ffffff"/>
-                </a:solidFill>
-              </a:uFill>
-              <a:latin typeface="Arial"/>
-            </a:endParaRPr>
-          </a:p>
-          <a:p>
-            <a:pPr algn="ctr">
+            <a:endParaRPr b="0" lang="en-IN" sz="1800" spc="-1" strike="noStrike">
+              <a:solidFill>
+                <a:srgbClr val="000000"/>
+              </a:solidFill>
+              <a:uFill>
+                <a:solidFill>
+                  <a:srgbClr val="ffffff"/>
+                </a:solidFill>
+              </a:uFill>
+              <a:latin typeface="Arial"/>
+            </a:endParaRPr>
+          </a:p>
+          <a:p>
+            <a:pPr marL="216000" indent="-216000" algn="ctr">
+              <a:lnSpc>
+                <a:spcPct val="100000"/>
+              </a:lnSpc>
               <a:buClr>
                 <a:srgbClr val="000000"/>
               </a:buClr>
@@ -4255,29 +3994,8 @@
                 </a:uFill>
                 <a:latin typeface="Arial"/>
               </a:rPr>
-              <a:t> </a:t>
+              <a:t>    </a:t>
             </a:r>
-            <a:endParaRPr b="0" lang="en-IN" sz="3200" spc="-1" strike="noStrike">
-              <a:solidFill>
-                <a:srgbClr val="000000"/>
-              </a:solidFill>
-              <a:uFill>
-                <a:solidFill>
-                  <a:srgbClr val="ffffff"/>
-                </a:solidFill>
-              </a:uFill>
-              <a:latin typeface="Arial"/>
-            </a:endParaRPr>
-          </a:p>
-          <a:p>
-            <a:pPr algn="ctr">
-              <a:buClr>
-                <a:srgbClr val="000000"/>
-              </a:buClr>
-              <a:buSzPct val="45000"/>
-              <a:buFont typeface="Wingdings" charset="2"/>
-              <a:buChar char=""/>
-            </a:pPr>
             <a:r>
               <a:rPr b="0" lang="en-IN" sz="3200" spc="-1" strike="noStrike">
                 <a:solidFill>
@@ -4290,9 +4008,9 @@
                 </a:uFill>
                 <a:latin typeface="Arial"/>
               </a:rPr>
-              <a:t> </a:t>
+              <a:t>Lets see the example</a:t>
             </a:r>
-            <a:endParaRPr b="0" lang="en-IN" sz="3200" spc="-1" strike="noStrike">
+            <a:endParaRPr b="0" lang="en-IN" sz="1800" spc="-1" strike="noStrike">
               <a:solidFill>
                 <a:srgbClr val="000000"/>
               </a:solidFill>
@@ -4355,6 +4073,247 @@
           <a:chExt cx="0" cy="0"/>
         </a:xfrm>
       </p:grpSpPr>
+      <p:sp>
+        <p:nvSpPr>
+          <p:cNvPr id="85" name="CustomShape 1"/>
+          <p:cNvSpPr/>
+          <p:nvPr/>
+        </p:nvSpPr>
+        <p:spPr>
+          <a:xfrm>
+            <a:off x="756000" y="1504800"/>
+            <a:ext cx="8099640" cy="5118840"/>
+          </a:xfrm>
+          <a:prstGeom prst="rect">
+            <a:avLst/>
+          </a:prstGeom>
+          <a:noFill/>
+          <a:ln>
+            <a:noFill/>
+          </a:ln>
+        </p:spPr>
+        <p:style>
+          <a:lnRef idx="0"/>
+          <a:fillRef idx="0"/>
+          <a:effectRef idx="0"/>
+          <a:fontRef idx="minor"/>
+        </p:style>
+        <p:txBody>
+          <a:bodyPr lIns="0" rIns="0" tIns="0" bIns="0" anchor="ctr"/>
+          <a:p>
+            <a:pPr marL="216000" indent="-216000" algn="ctr">
+              <a:lnSpc>
+                <a:spcPct val="100000"/>
+              </a:lnSpc>
+              <a:buClr>
+                <a:srgbClr val="000000"/>
+              </a:buClr>
+              <a:buSzPct val="45000"/>
+              <a:buFont typeface="Wingdings" charset="2"/>
+              <a:buChar char=""/>
+            </a:pPr>
+            <a:r>
+              <a:rPr b="0" lang="en-IN" sz="3200" spc="-1" strike="noStrike">
+                <a:solidFill>
+                  <a:srgbClr val="000000"/>
+                </a:solidFill>
+                <a:uFill>
+                  <a:solidFill>
+                    <a:srgbClr val="ffffff"/>
+                  </a:solidFill>
+                </a:uFill>
+                <a:latin typeface="Arial"/>
+              </a:rPr>
+              <a:t>Example : </a:t>
+            </a:r>
+            <a:endParaRPr b="0" lang="en-IN" sz="1800" spc="-1" strike="noStrike">
+              <a:solidFill>
+                <a:srgbClr val="000000"/>
+              </a:solidFill>
+              <a:uFill>
+                <a:solidFill>
+                  <a:srgbClr val="ffffff"/>
+                </a:solidFill>
+              </a:uFill>
+              <a:latin typeface="Arial"/>
+            </a:endParaRPr>
+          </a:p>
+          <a:p>
+            <a:pPr marL="216000" indent="-216000" algn="ctr">
+              <a:lnSpc>
+                <a:spcPct val="100000"/>
+              </a:lnSpc>
+              <a:buClr>
+                <a:srgbClr val="000000"/>
+              </a:buClr>
+              <a:buSzPct val="45000"/>
+              <a:buFont typeface="Wingdings" charset="2"/>
+              <a:buChar char=""/>
+            </a:pPr>
+            <a:r>
+              <a:rPr b="0" lang="en-IN" sz="3200" spc="-1" strike="noStrike" u="sng">
+                <a:solidFill>
+                  <a:srgbClr val="0000ff"/>
+                </a:solidFill>
+                <a:uFill>
+                  <a:solidFill>
+                    <a:srgbClr val="ffffff"/>
+                  </a:solidFill>
+                </a:uFill>
+                <a:latin typeface="Arial"/>
+                <a:hlinkClick r:id="rId1"/>
+              </a:rPr>
+              <a:t>https://phpenthusiast.com/blog/the-decorator-design-pattern-in-php-explained</a:t>
+            </a:r>
+            <a:endParaRPr b="0" lang="en-IN" sz="1800" spc="-1" strike="noStrike">
+              <a:solidFill>
+                <a:srgbClr val="000000"/>
+              </a:solidFill>
+              <a:uFill>
+                <a:solidFill>
+                  <a:srgbClr val="ffffff"/>
+                </a:solidFill>
+              </a:uFill>
+              <a:latin typeface="Arial"/>
+            </a:endParaRPr>
+          </a:p>
+          <a:p>
+            <a:pPr marL="216000" indent="-216000" algn="ctr">
+              <a:lnSpc>
+                <a:spcPct val="100000"/>
+              </a:lnSpc>
+              <a:buClr>
+                <a:srgbClr val="000000"/>
+              </a:buClr>
+              <a:buSzPct val="45000"/>
+              <a:buFont typeface="Wingdings" charset="2"/>
+              <a:buChar char=""/>
+            </a:pPr>
+            <a:r>
+              <a:rPr b="0" lang="en-IN" sz="3200" spc="-1" strike="noStrike">
+                <a:solidFill>
+                  <a:srgbClr val="000000"/>
+                </a:solidFill>
+                <a:uFill>
+                  <a:solidFill>
+                    <a:srgbClr val="ffffff"/>
+                  </a:solidFill>
+                </a:uFill>
+                <a:latin typeface="Arial"/>
+              </a:rPr>
+              <a:t> </a:t>
+            </a:r>
+            <a:endParaRPr b="0" lang="en-IN" sz="1800" spc="-1" strike="noStrike">
+              <a:solidFill>
+                <a:srgbClr val="000000"/>
+              </a:solidFill>
+              <a:uFill>
+                <a:solidFill>
+                  <a:srgbClr val="ffffff"/>
+                </a:solidFill>
+              </a:uFill>
+              <a:latin typeface="Arial"/>
+            </a:endParaRPr>
+          </a:p>
+          <a:p>
+            <a:pPr algn="ctr">
+              <a:lnSpc>
+                <a:spcPct val="100000"/>
+              </a:lnSpc>
+            </a:pPr>
+            <a:r>
+              <a:rPr b="0" lang="en-IN" sz="3200" spc="-1" strike="noStrike">
+                <a:solidFill>
+                  <a:srgbClr val="000000"/>
+                </a:solidFill>
+                <a:uFill>
+                  <a:solidFill>
+                    <a:srgbClr val="ffffff"/>
+                  </a:solidFill>
+                </a:uFill>
+                <a:latin typeface="Arial"/>
+              </a:rPr>
+              <a:t> </a:t>
+            </a:r>
+            <a:r>
+              <a:rPr b="0" lang="en-IN" sz="3200" spc="-1" strike="noStrike">
+                <a:solidFill>
+                  <a:srgbClr val="000000"/>
+                </a:solidFill>
+                <a:uFill>
+                  <a:solidFill>
+                    <a:srgbClr val="ffffff"/>
+                  </a:solidFill>
+                </a:uFill>
+                <a:latin typeface="Arial"/>
+                <a:hlinkClick r:id="rId2"/>
+              </a:rPr>
+              <a:t>https://www.jdoodle.com/php-online-editor</a:t>
+            </a:r>
+            <a:endParaRPr b="0" lang="en-IN" sz="1800" spc="-1" strike="noStrike">
+              <a:solidFill>
+                <a:srgbClr val="000000"/>
+              </a:solidFill>
+              <a:uFill>
+                <a:solidFill>
+                  <a:srgbClr val="ffffff"/>
+                </a:solidFill>
+              </a:uFill>
+              <a:latin typeface="Arial"/>
+            </a:endParaRPr>
+          </a:p>
+          <a:p>
+            <a:pPr algn="ctr">
+              <a:lnSpc>
+                <a:spcPct val="100000"/>
+              </a:lnSpc>
+            </a:pPr>
+            <a:endParaRPr b="0" lang="en-IN" sz="1800" spc="-1" strike="noStrike">
+              <a:solidFill>
+                <a:srgbClr val="000000"/>
+              </a:solidFill>
+              <a:uFill>
+                <a:solidFill>
+                  <a:srgbClr val="ffffff"/>
+                </a:solidFill>
+              </a:uFill>
+              <a:latin typeface="Arial"/>
+            </a:endParaRPr>
+          </a:p>
+          <a:p>
+            <a:pPr algn="ctr">
+              <a:lnSpc>
+                <a:spcPct val="100000"/>
+              </a:lnSpc>
+            </a:pPr>
+            <a:r>
+              <a:rPr b="0" lang="en-IN" sz="3200" spc="-1" strike="noStrike">
+                <a:solidFill>
+                  <a:srgbClr val="000000"/>
+                </a:solidFill>
+                <a:uFill>
+                  <a:solidFill>
+                    <a:srgbClr val="ffffff"/>
+                  </a:solidFill>
+                </a:uFill>
+                <a:latin typeface="Arial"/>
+              </a:rPr>
+              <a:t>https://code.tutsplus.com/articles/a-beginners-guide-to-design-patterns--net-12752</a:t>
+            </a:r>
+            <a:endParaRPr b="0" lang="en-IN" sz="1800" spc="-1" strike="noStrike">
+              <a:solidFill>
+                <a:srgbClr val="000000"/>
+              </a:solidFill>
+              <a:uFill>
+                <a:solidFill>
+                  <a:srgbClr val="ffffff"/>
+                </a:solidFill>
+              </a:uFill>
+              <a:latin typeface="Arial"/>
+            </a:endParaRPr>
+          </a:p>
+        </p:txBody>
+      </p:sp>
     </p:spTree>
   </p:cSld>
   <p:timing>
@@ -4364,6 +4323,247 @@
           <p:childTnLst>
             <p:seq>
               <p:cTn id="22" nodeType="mainSeq"/>
+              <p:prevCondLst>
+                <p:cond delay="0" evt="onPrev">
+                  <p:tgtEl>
+                    <p:sldTgt/>
+                  </p:tgtEl>
+                </p:cond>
+              </p:prevCondLst>
+              <p:nextCondLst>
+                <p:cond delay="0" evt="onNext">
+                  <p:tgtEl>
+                    <p:sldTgt/>
+                  </p:tgtEl>
+                </p:cond>
+              </p:nextCondLst>
+            </p:seq>
+          </p:childTnLst>
+        </p:cTn>
+      </p:par>
+    </p:tnLst>
+  </p:timing>
+</p:sld>
+</file>
+
+<file path=ppt/slides/slide12.xml><?xml version="1.0" encoding="utf-8"?>
+<p:sld xmlns:a="http://schemas.openxmlformats.org/drawingml/2006/main" xmlns:p="http://schemas.openxmlformats.org/presentationml/2006/main" xmlns:r="http://schemas.openxmlformats.org/officeDocument/2006/relationships" xmlns:p14="http://schemas.microsoft.com/office/powerpoint/2010/main" xmlns:p15="http://schemas.microsoft.com/office/powerpoint/2012/main" xmlns:mc="http://schemas.openxmlformats.org/markup-compatibility/2006">
+  <p:cSld>
+    <p:spTree>
+      <p:nvGrpSpPr>
+        <p:cNvPr id="1" name=""/>
+        <p:cNvGrpSpPr/>
+        <p:nvPr/>
+      </p:nvGrpSpPr>
+      <p:grpSpPr>
+        <a:xfrm>
+          <a:off x="0" y="0"/>
+          <a:ext cx="0" cy="0"/>
+          <a:chOff x="0" y="0"/>
+          <a:chExt cx="0" cy="0"/>
+        </a:xfrm>
+      </p:grpSpPr>
+      <p:sp>
+        <p:nvSpPr>
+          <p:cNvPr id="86" name="CustomShape 1"/>
+          <p:cNvSpPr/>
+          <p:nvPr/>
+        </p:nvSpPr>
+        <p:spPr>
+          <a:xfrm>
+            <a:off x="756000" y="1504800"/>
+            <a:ext cx="8099640" cy="5118840"/>
+          </a:xfrm>
+          <a:prstGeom prst="rect">
+            <a:avLst/>
+          </a:prstGeom>
+          <a:noFill/>
+          <a:ln>
+            <a:noFill/>
+          </a:ln>
+        </p:spPr>
+        <p:style>
+          <a:lnRef idx="0"/>
+          <a:fillRef idx="0"/>
+          <a:effectRef idx="0"/>
+          <a:fontRef idx="minor"/>
+        </p:style>
+        <p:txBody>
+          <a:bodyPr lIns="0" rIns="0" tIns="0" bIns="0" anchor="ctr"/>
+          <a:p>
+            <a:pPr marL="216000" indent="-216000" algn="ctr">
+              <a:lnSpc>
+                <a:spcPct val="100000"/>
+              </a:lnSpc>
+              <a:buClr>
+                <a:srgbClr val="000000"/>
+              </a:buClr>
+              <a:buSzPct val="45000"/>
+              <a:buFont typeface="Wingdings" charset="2"/>
+              <a:buChar char=""/>
+            </a:pPr>
+            <a:r>
+              <a:rPr b="0" lang="en-IN" sz="3200" spc="-1" strike="noStrike">
+                <a:solidFill>
+                  <a:srgbClr val="000000"/>
+                </a:solidFill>
+                <a:uFill>
+                  <a:solidFill>
+                    <a:srgbClr val="ffffff"/>
+                  </a:solidFill>
+                </a:uFill>
+                <a:latin typeface="Arial"/>
+              </a:rPr>
+              <a:t> </a:t>
+            </a:r>
+            <a:endParaRPr b="0" lang="en-IN" sz="1800" spc="-1" strike="noStrike">
+              <a:solidFill>
+                <a:srgbClr val="000000"/>
+              </a:solidFill>
+              <a:uFill>
+                <a:solidFill>
+                  <a:srgbClr val="ffffff"/>
+                </a:solidFill>
+              </a:uFill>
+              <a:latin typeface="Arial"/>
+            </a:endParaRPr>
+          </a:p>
+          <a:p>
+            <a:pPr marL="216000" indent="-216000" algn="ctr">
+              <a:lnSpc>
+                <a:spcPct val="100000"/>
+              </a:lnSpc>
+              <a:buClr>
+                <a:srgbClr val="000000"/>
+              </a:buClr>
+              <a:buSzPct val="45000"/>
+              <a:buFont typeface="Wingdings" charset="2"/>
+              <a:buChar char=""/>
+            </a:pPr>
+            <a:r>
+              <a:rPr b="0" lang="en-IN" sz="3200" spc="-1" strike="noStrike">
+                <a:solidFill>
+                  <a:srgbClr val="000000"/>
+                </a:solidFill>
+                <a:uFill>
+                  <a:solidFill>
+                    <a:srgbClr val="ffffff"/>
+                  </a:solidFill>
+                </a:uFill>
+                <a:latin typeface="Arial"/>
+              </a:rPr>
+              <a:t> </a:t>
+            </a:r>
+            <a:endParaRPr b="0" lang="en-IN" sz="1800" spc="-1" strike="noStrike">
+              <a:solidFill>
+                <a:srgbClr val="000000"/>
+              </a:solidFill>
+              <a:uFill>
+                <a:solidFill>
+                  <a:srgbClr val="ffffff"/>
+                </a:solidFill>
+              </a:uFill>
+              <a:latin typeface="Arial"/>
+            </a:endParaRPr>
+          </a:p>
+          <a:p>
+            <a:pPr marL="216000" indent="-216000" algn="ctr">
+              <a:lnSpc>
+                <a:spcPct val="100000"/>
+              </a:lnSpc>
+              <a:buClr>
+                <a:srgbClr val="000000"/>
+              </a:buClr>
+              <a:buSzPct val="45000"/>
+              <a:buFont typeface="Wingdings" charset="2"/>
+              <a:buChar char=""/>
+            </a:pPr>
+            <a:r>
+              <a:rPr b="0" lang="en-IN" sz="3200" spc="-1" strike="noStrike">
+                <a:solidFill>
+                  <a:srgbClr val="000000"/>
+                </a:solidFill>
+                <a:uFill>
+                  <a:solidFill>
+                    <a:srgbClr val="ffffff"/>
+                  </a:solidFill>
+                </a:uFill>
+                <a:latin typeface="Arial"/>
+              </a:rPr>
+              <a:t> </a:t>
+            </a:r>
+            <a:endParaRPr b="0" lang="en-IN" sz="1800" spc="-1" strike="noStrike">
+              <a:solidFill>
+                <a:srgbClr val="000000"/>
+              </a:solidFill>
+              <a:uFill>
+                <a:solidFill>
+                  <a:srgbClr val="ffffff"/>
+                </a:solidFill>
+              </a:uFill>
+              <a:latin typeface="Arial"/>
+            </a:endParaRPr>
+          </a:p>
+        </p:txBody>
+      </p:sp>
+    </p:spTree>
+  </p:cSld>
+  <p:timing>
+    <p:tnLst>
+      <p:par>
+        <p:cTn id="23" dur="indefinite" restart="never" nodeType="tmRoot">
+          <p:childTnLst>
+            <p:seq>
+              <p:cTn id="24" nodeType="mainSeq"/>
+              <p:prevCondLst>
+                <p:cond delay="0" evt="onPrev">
+                  <p:tgtEl>
+                    <p:sldTgt/>
+                  </p:tgtEl>
+                </p:cond>
+              </p:prevCondLst>
+              <p:nextCondLst>
+                <p:cond delay="0" evt="onNext">
+                  <p:tgtEl>
+                    <p:sldTgt/>
+                  </p:tgtEl>
+                </p:cond>
+              </p:nextCondLst>
+            </p:seq>
+          </p:childTnLst>
+        </p:cTn>
+      </p:par>
+    </p:tnLst>
+  </p:timing>
+</p:sld>
+</file>
+
+<file path=ppt/slides/slide13.xml><?xml version="1.0" encoding="utf-8"?>
+<p:sld xmlns:a="http://schemas.openxmlformats.org/drawingml/2006/main" xmlns:p="http://schemas.openxmlformats.org/presentationml/2006/main" xmlns:r="http://schemas.openxmlformats.org/officeDocument/2006/relationships" xmlns:p14="http://schemas.microsoft.com/office/powerpoint/2010/main" xmlns:p15="http://schemas.microsoft.com/office/powerpoint/2012/main" xmlns:mc="http://schemas.openxmlformats.org/markup-compatibility/2006">
+  <p:cSld>
+    <p:spTree>
+      <p:nvGrpSpPr>
+        <p:cNvPr id="1" name=""/>
+        <p:cNvGrpSpPr/>
+        <p:nvPr/>
+      </p:nvGrpSpPr>
+      <p:grpSpPr>
+        <a:xfrm>
+          <a:off x="0" y="0"/>
+          <a:ext cx="0" cy="0"/>
+          <a:chOff x="0" y="0"/>
+          <a:chExt cx="0" cy="0"/>
+        </a:xfrm>
+      </p:grpSpPr>
+    </p:spTree>
+  </p:cSld>
+  <p:timing>
+    <p:tnLst>
+      <p:par>
+        <p:cTn id="25" dur="indefinite" restart="never" nodeType="tmRoot">
+          <p:childTnLst>
+            <p:seq>
+              <p:cTn id="26" nodeType="mainSeq"/>
               <p:prevCondLst>
                 <p:cond delay="0" evt="onPrev">
                   <p:tgtEl>
@@ -4406,14 +4606,14 @@
       </p:grpSpPr>
       <p:sp>
         <p:nvSpPr>
-          <p:cNvPr id="81" name="TextShape 1"/>
-          <p:cNvSpPr txBox="1"/>
+          <p:cNvPr id="76" name="CustomShape 1"/>
+          <p:cNvSpPr/>
           <p:nvPr/>
         </p:nvSpPr>
         <p:spPr>
           <a:xfrm>
             <a:off x="756000" y="1504800"/>
-            <a:ext cx="8100000" cy="5119200"/>
+            <a:ext cx="8099640" cy="5118840"/>
           </a:xfrm>
           <a:prstGeom prst="rect">
             <a:avLst/>
@@ -4423,10 +4623,19 @@
             <a:noFill/>
           </a:ln>
         </p:spPr>
+        <p:style>
+          <a:lnRef idx="0"/>
+          <a:fillRef idx="0"/>
+          <a:effectRef idx="0"/>
+          <a:fontRef idx="minor"/>
+        </p:style>
         <p:txBody>
           <a:bodyPr lIns="0" rIns="0" tIns="0" bIns="0" anchor="ctr"/>
           <a:p>
-            <a:pPr algn="ctr">
+            <a:pPr marL="216000" indent="-216000" algn="ctr">
+              <a:lnSpc>
+                <a:spcPct val="100000"/>
+              </a:lnSpc>
               <a:buClr>
                 <a:srgbClr val="000000"/>
               </a:buClr>
@@ -4446,9 +4655,9 @@
                 </a:uFill>
                 <a:latin typeface="Arial"/>
               </a:rPr>
-              <a:t>Design patterns are templates that can be applied to multiple situations and can be improved over time, making a very robust software engineering tool. Because development speed is increased when using a proven prototype, developers using design pattern templates can improve coding efficiency and final product readability.</a:t>
+              <a:t>Design patterns are templates that can be applied to multiple situations and can be improved over time. Because development speed is increased when using a proven prototype, developers using design pattern templates can improve coding efficiency and final product readability.</a:t>
             </a:r>
-            <a:endParaRPr b="0" lang="en-IN" sz="3200" spc="-1" strike="noStrike">
+            <a:endParaRPr b="0" lang="en-IN" sz="1800" spc="-1" strike="noStrike">
               <a:solidFill>
                 <a:srgbClr val="000000"/>
               </a:solidFill>
@@ -4513,14 +4722,14 @@
       </p:grpSpPr>
       <p:sp>
         <p:nvSpPr>
-          <p:cNvPr id="82" name="TextShape 1"/>
-          <p:cNvSpPr txBox="1"/>
+          <p:cNvPr id="77" name="CustomShape 1"/>
+          <p:cNvSpPr/>
           <p:nvPr/>
         </p:nvSpPr>
         <p:spPr>
           <a:xfrm>
             <a:off x="756000" y="1504800"/>
-            <a:ext cx="8100000" cy="5119200"/>
+            <a:ext cx="8099640" cy="5118840"/>
           </a:xfrm>
           <a:prstGeom prst="rect">
             <a:avLst/>
@@ -4530,10 +4739,19 @@
             <a:noFill/>
           </a:ln>
         </p:spPr>
+        <p:style>
+          <a:lnRef idx="0"/>
+          <a:fillRef idx="0"/>
+          <a:effectRef idx="0"/>
+          <a:fontRef idx="minor"/>
+        </p:style>
         <p:txBody>
           <a:bodyPr lIns="0" rIns="0" tIns="0" bIns="0" anchor="ctr"/>
           <a:p>
-            <a:pPr algn="ctr">
+            <a:pPr marL="216000" indent="-216000" algn="ctr">
+              <a:lnSpc>
+                <a:spcPct val="100000"/>
+              </a:lnSpc>
               <a:buClr>
                 <a:srgbClr val="000000"/>
               </a:buClr>
@@ -4553,9 +4771,47 @@
                 </a:uFill>
                 <a:latin typeface="Arial"/>
               </a:rPr>
-              <a:t>What is Decorator design pattern?</a:t>
+              <a:t>There are sevaral types of design patterns</a:t>
             </a:r>
-            <a:endParaRPr b="0" lang="en-IN" sz="3200" spc="-1" strike="noStrike">
+            <a:endParaRPr b="0" lang="en-IN" sz="1800" spc="-1" strike="noStrike">
+              <a:solidFill>
+                <a:srgbClr val="000000"/>
+              </a:solidFill>
+              <a:uFill>
+                <a:solidFill>
+                  <a:srgbClr val="ffffff"/>
+                </a:solidFill>
+              </a:uFill>
+              <a:latin typeface="Arial"/>
+            </a:endParaRPr>
+          </a:p>
+          <a:p>
+            <a:pPr marL="216000" indent="-216000" algn="ctr">
+              <a:lnSpc>
+                <a:spcPct val="100000"/>
+              </a:lnSpc>
+              <a:buClr>
+                <a:srgbClr val="000000"/>
+              </a:buClr>
+              <a:buSzPct val="45000"/>
+              <a:buFont typeface="Wingdings" charset="2"/>
+              <a:buChar char=""/>
+            </a:pPr>
+            <a:r>
+              <a:rPr b="0" lang="en-IN" sz="3200" spc="-1" strike="noStrike">
+                <a:solidFill>
+                  <a:srgbClr val="000000"/>
+                </a:solidFill>
+                <a:uFill>
+                  <a:solidFill>
+                    <a:srgbClr val="ffffff"/>
+                  </a:solidFill>
+                </a:uFill>
+                <a:latin typeface="Arial"/>
+              </a:rPr>
+              <a:t>Singleton</a:t>
+            </a:r>
+            <a:endParaRPr b="0" lang="en-IN" sz="1800" spc="-1" strike="noStrike">
               <a:solidFill>
                 <a:srgbClr val="000000"/>
               </a:solidFill>
@@ -4569,6 +4825,155 @@
           </a:p>
           <a:p>
             <a:pPr algn="ctr">
+              <a:lnSpc>
+                <a:spcPct val="100000"/>
+              </a:lnSpc>
+            </a:pPr>
+            <a:r>
+              <a:rPr b="0" lang="en-IN" sz="3200" spc="-1" strike="noStrike">
+                <a:solidFill>
+                  <a:srgbClr val="000000"/>
+                </a:solidFill>
+                <a:uFill>
+                  <a:solidFill>
+                    <a:srgbClr val="ffffff"/>
+                  </a:solidFill>
+                </a:uFill>
+                <a:latin typeface="Arial"/>
+              </a:rPr>
+              <a:t>Strategy Pattern </a:t>
+            </a:r>
+            <a:endParaRPr b="0" lang="en-IN" sz="1800" spc="-1" strike="noStrike">
+              <a:solidFill>
+                <a:srgbClr val="000000"/>
+              </a:solidFill>
+              <a:uFill>
+                <a:solidFill>
+                  <a:srgbClr val="ffffff"/>
+                </a:solidFill>
+              </a:uFill>
+              <a:latin typeface="Arial"/>
+            </a:endParaRPr>
+          </a:p>
+          <a:p>
+            <a:pPr algn="ctr">
+              <a:lnSpc>
+                <a:spcPct val="100000"/>
+              </a:lnSpc>
+            </a:pPr>
+            <a:r>
+              <a:rPr b="0" lang="en-IN" sz="3200" spc="-1" strike="noStrike">
+                <a:solidFill>
+                  <a:srgbClr val="000000"/>
+                </a:solidFill>
+                <a:uFill>
+                  <a:solidFill>
+                    <a:srgbClr val="ffffff"/>
+                  </a:solidFill>
+                </a:uFill>
+                <a:latin typeface="Arial"/>
+              </a:rPr>
+              <a:t>Adapter Pattern</a:t>
+            </a:r>
+            <a:endParaRPr b="0" lang="en-IN" sz="1800" spc="-1" strike="noStrike">
+              <a:solidFill>
+                <a:srgbClr val="000000"/>
+              </a:solidFill>
+              <a:uFill>
+                <a:solidFill>
+                  <a:srgbClr val="ffffff"/>
+                </a:solidFill>
+              </a:uFill>
+              <a:latin typeface="Arial"/>
+            </a:endParaRPr>
+          </a:p>
+          <a:p>
+            <a:pPr algn="ctr">
+              <a:lnSpc>
+                <a:spcPct val="100000"/>
+              </a:lnSpc>
+            </a:pPr>
+            <a:r>
+              <a:rPr b="0" lang="en-IN" sz="3200" spc="-1" strike="noStrike">
+                <a:solidFill>
+                  <a:srgbClr val="000000"/>
+                </a:solidFill>
+                <a:uFill>
+                  <a:solidFill>
+                    <a:srgbClr val="ffffff"/>
+                  </a:solidFill>
+                </a:uFill>
+                <a:latin typeface="Arial"/>
+              </a:rPr>
+              <a:t>Factory Method Pattern </a:t>
+            </a:r>
+            <a:endParaRPr b="0" lang="en-IN" sz="1800" spc="-1" strike="noStrike">
+              <a:solidFill>
+                <a:srgbClr val="000000"/>
+              </a:solidFill>
+              <a:uFill>
+                <a:solidFill>
+                  <a:srgbClr val="ffffff"/>
+                </a:solidFill>
+              </a:uFill>
+              <a:latin typeface="Arial"/>
+            </a:endParaRPr>
+          </a:p>
+          <a:p>
+            <a:pPr algn="ctr">
+              <a:lnSpc>
+                <a:spcPct val="100000"/>
+              </a:lnSpc>
+            </a:pPr>
+            <a:r>
+              <a:rPr b="0" lang="en-IN" sz="3200" spc="-1" strike="noStrike">
+                <a:solidFill>
+                  <a:srgbClr val="000000"/>
+                </a:solidFill>
+                <a:uFill>
+                  <a:solidFill>
+                    <a:srgbClr val="ffffff"/>
+                  </a:solidFill>
+                </a:uFill>
+                <a:latin typeface="Arial"/>
+              </a:rPr>
+              <a:t>Decorator Pattern </a:t>
+            </a:r>
+            <a:endParaRPr b="0" lang="en-IN" sz="1800" spc="-1" strike="noStrike">
+              <a:solidFill>
+                <a:srgbClr val="000000"/>
+              </a:solidFill>
+              <a:uFill>
+                <a:solidFill>
+                  <a:srgbClr val="ffffff"/>
+                </a:solidFill>
+              </a:uFill>
+              <a:latin typeface="Arial"/>
+            </a:endParaRPr>
+          </a:p>
+          <a:p>
+            <a:pPr algn="ctr">
+              <a:lnSpc>
+                <a:spcPct val="100000"/>
+              </a:lnSpc>
+            </a:pPr>
+            <a:endParaRPr b="0" lang="en-IN" sz="1800" spc="-1" strike="noStrike">
+              <a:solidFill>
+                <a:srgbClr val="000000"/>
+              </a:solidFill>
+              <a:uFill>
+                <a:solidFill>
+                  <a:srgbClr val="ffffff"/>
+                </a:solidFill>
+              </a:uFill>
+              <a:latin typeface="Arial"/>
+            </a:endParaRPr>
+          </a:p>
+          <a:p>
+            <a:pPr marL="216000" indent="-216000" algn="ctr">
+              <a:lnSpc>
+                <a:spcPct val="100000"/>
+              </a:lnSpc>
               <a:buClr>
                 <a:srgbClr val="000000"/>
               </a:buClr>
@@ -4590,20 +4995,23 @@
               </a:rPr>
               <a:t> </a:t>
             </a:r>
-            <a:endParaRPr b="0" lang="en-IN" sz="3200" spc="-1" strike="noStrike">
-              <a:solidFill>
-                <a:srgbClr val="000000"/>
-              </a:solidFill>
-              <a:uFill>
-                <a:solidFill>
-                  <a:srgbClr val="ffffff"/>
-                </a:solidFill>
-              </a:uFill>
-              <a:latin typeface="Arial"/>
-            </a:endParaRPr>
-          </a:p>
-          <a:p>
-            <a:pPr algn="ctr">
+            <a:endParaRPr b="0" lang="en-IN" sz="1800" spc="-1" strike="noStrike">
+              <a:solidFill>
+                <a:srgbClr val="000000"/>
+              </a:solidFill>
+              <a:uFill>
+                <a:solidFill>
+                  <a:srgbClr val="ffffff"/>
+                </a:solidFill>
+              </a:uFill>
+              <a:latin typeface="Arial"/>
+            </a:endParaRPr>
+          </a:p>
+          <a:p>
+            <a:pPr marL="216000" indent="-216000" algn="ctr">
+              <a:lnSpc>
+                <a:spcPct val="100000"/>
+              </a:lnSpc>
               <a:buClr>
                 <a:srgbClr val="000000"/>
               </a:buClr>
@@ -4625,7 +5033,7 @@
               </a:rPr>
               <a:t> </a:t>
             </a:r>
-            <a:endParaRPr b="0" lang="en-IN" sz="3200" spc="-1" strike="noStrike">
+            <a:endParaRPr b="0" lang="en-IN" sz="1800" spc="-1" strike="noStrike">
               <a:solidFill>
                 <a:srgbClr val="000000"/>
               </a:solidFill>
@@ -4690,14 +5098,14 @@
       </p:grpSpPr>
       <p:sp>
         <p:nvSpPr>
-          <p:cNvPr id="83" name="TextShape 1"/>
-          <p:cNvSpPr txBox="1"/>
+          <p:cNvPr id="78" name="CustomShape 1"/>
+          <p:cNvSpPr/>
           <p:nvPr/>
         </p:nvSpPr>
         <p:spPr>
           <a:xfrm>
             <a:off x="756000" y="1504800"/>
-            <a:ext cx="8100000" cy="5119200"/>
+            <a:ext cx="8099640" cy="5118840"/>
           </a:xfrm>
           <a:prstGeom prst="rect">
             <a:avLst/>
@@ -4707,10 +5115,19 @@
             <a:noFill/>
           </a:ln>
         </p:spPr>
+        <p:style>
+          <a:lnRef idx="0"/>
+          <a:fillRef idx="0"/>
+          <a:effectRef idx="0"/>
+          <a:fontRef idx="minor"/>
+        </p:style>
         <p:txBody>
           <a:bodyPr lIns="0" rIns="0" tIns="0" bIns="0" anchor="ctr"/>
           <a:p>
-            <a:pPr algn="ctr">
+            <a:pPr marL="216000" indent="-216000" algn="ctr">
+              <a:lnSpc>
+                <a:spcPct val="100000"/>
+              </a:lnSpc>
               <a:buClr>
                 <a:srgbClr val="000000"/>
               </a:buClr>
@@ -4730,79 +5147,9 @@
                 </a:uFill>
                 <a:latin typeface="Arial"/>
               </a:rPr>
-              <a:t>Decorator pattern allows a user to add new functionality to an existing object without altering its structure. This type of design pattern comes under structural pattern as this pattern acts as a wrapper to existing class.</a:t>
+              <a:t>What is Decorator design pattern?  </a:t>
             </a:r>
-            <a:endParaRPr b="0" lang="en-IN" sz="3200" spc="-1" strike="noStrike">
-              <a:solidFill>
-                <a:srgbClr val="000000"/>
-              </a:solidFill>
-              <a:uFill>
-                <a:solidFill>
-                  <a:srgbClr val="ffffff"/>
-                </a:solidFill>
-              </a:uFill>
-              <a:latin typeface="Arial"/>
-            </a:endParaRPr>
-          </a:p>
-          <a:p>
-            <a:pPr algn="ctr">
-              <a:buClr>
-                <a:srgbClr val="000000"/>
-              </a:buClr>
-              <a:buSzPct val="45000"/>
-              <a:buFont typeface="Wingdings" charset="2"/>
-              <a:buChar char=""/>
-            </a:pPr>
-            <a:r>
-              <a:rPr b="0" lang="en-IN" sz="3200" spc="-1" strike="noStrike">
-                <a:solidFill>
-                  <a:srgbClr val="000000"/>
-                </a:solidFill>
-                <a:uFill>
-                  <a:solidFill>
-                    <a:srgbClr val="ffffff"/>
-                  </a:solidFill>
-                </a:uFill>
-                <a:latin typeface="Arial"/>
-              </a:rPr>
-              <a:t> </a:t>
-            </a:r>
-            <a:endParaRPr b="0" lang="en-IN" sz="3200" spc="-1" strike="noStrike">
-              <a:solidFill>
-                <a:srgbClr val="000000"/>
-              </a:solidFill>
-              <a:uFill>
-                <a:solidFill>
-                  <a:srgbClr val="ffffff"/>
-                </a:solidFill>
-              </a:uFill>
-              <a:latin typeface="Arial"/>
-            </a:endParaRPr>
-          </a:p>
-          <a:p>
-            <a:pPr algn="ctr">
-              <a:buClr>
-                <a:srgbClr val="000000"/>
-              </a:buClr>
-              <a:buSzPct val="45000"/>
-              <a:buFont typeface="Wingdings" charset="2"/>
-              <a:buChar char=""/>
-            </a:pPr>
-            <a:r>
-              <a:rPr b="0" lang="en-IN" sz="3200" spc="-1" strike="noStrike">
-                <a:solidFill>
-                  <a:srgbClr val="000000"/>
-                </a:solidFill>
-                <a:uFill>
-                  <a:solidFill>
-                    <a:srgbClr val="ffffff"/>
-                  </a:solidFill>
-                </a:uFill>
-                <a:latin typeface="Arial"/>
-              </a:rPr>
-              <a:t> </a:t>
-            </a:r>
-            <a:endParaRPr b="0" lang="en-IN" sz="3200" spc="-1" strike="noStrike">
+            <a:endParaRPr b="0" lang="en-IN" sz="1800" spc="-1" strike="noStrike">
               <a:solidFill>
                 <a:srgbClr val="000000"/>
               </a:solidFill>
@@ -4867,14 +5214,14 @@
       </p:grpSpPr>
       <p:sp>
         <p:nvSpPr>
-          <p:cNvPr id="84" name="TextShape 1"/>
-          <p:cNvSpPr txBox="1"/>
+          <p:cNvPr id="79" name="CustomShape 1"/>
+          <p:cNvSpPr/>
           <p:nvPr/>
         </p:nvSpPr>
         <p:spPr>
           <a:xfrm>
             <a:off x="756000" y="1504800"/>
-            <a:ext cx="8100000" cy="5119200"/>
+            <a:ext cx="8099640" cy="5118840"/>
           </a:xfrm>
           <a:prstGeom prst="rect">
             <a:avLst/>
@@ -4884,10 +5231,19 @@
             <a:noFill/>
           </a:ln>
         </p:spPr>
+        <p:style>
+          <a:lnRef idx="0"/>
+          <a:fillRef idx="0"/>
+          <a:effectRef idx="0"/>
+          <a:fontRef idx="minor"/>
+        </p:style>
         <p:txBody>
           <a:bodyPr lIns="0" rIns="0" tIns="0" bIns="0" anchor="ctr"/>
           <a:p>
-            <a:pPr algn="ctr">
+            <a:pPr marL="216000" indent="-216000" algn="ctr">
+              <a:lnSpc>
+                <a:spcPct val="100000"/>
+              </a:lnSpc>
               <a:buClr>
                 <a:srgbClr val="000000"/>
               </a:buClr>
@@ -4907,79 +5263,9 @@
                 </a:uFill>
                 <a:latin typeface="Arial"/>
               </a:rPr>
-              <a:t>https://www.youtube.com/watch?v=XihyLU6MhzY</a:t>
+              <a:t>Decorator pattern allows a user to add new functionality to an existing object without altering its structure. This type of design pattern comes under structural pattern as this pattern acts as a wrapper to existing class. </a:t>
             </a:r>
-            <a:endParaRPr b="0" lang="en-IN" sz="3200" spc="-1" strike="noStrike">
-              <a:solidFill>
-                <a:srgbClr val="000000"/>
-              </a:solidFill>
-              <a:uFill>
-                <a:solidFill>
-                  <a:srgbClr val="ffffff"/>
-                </a:solidFill>
-              </a:uFill>
-              <a:latin typeface="Arial"/>
-            </a:endParaRPr>
-          </a:p>
-          <a:p>
-            <a:pPr algn="ctr">
-              <a:buClr>
-                <a:srgbClr val="000000"/>
-              </a:buClr>
-              <a:buSzPct val="45000"/>
-              <a:buFont typeface="Wingdings" charset="2"/>
-              <a:buChar char=""/>
-            </a:pPr>
-            <a:r>
-              <a:rPr b="0" lang="en-IN" sz="3200" spc="-1" strike="noStrike">
-                <a:solidFill>
-                  <a:srgbClr val="000000"/>
-                </a:solidFill>
-                <a:uFill>
-                  <a:solidFill>
-                    <a:srgbClr val="ffffff"/>
-                  </a:solidFill>
-                </a:uFill>
-                <a:latin typeface="Arial"/>
-              </a:rPr>
-              <a:t> </a:t>
-            </a:r>
-            <a:endParaRPr b="0" lang="en-IN" sz="3200" spc="-1" strike="noStrike">
-              <a:solidFill>
-                <a:srgbClr val="000000"/>
-              </a:solidFill>
-              <a:uFill>
-                <a:solidFill>
-                  <a:srgbClr val="ffffff"/>
-                </a:solidFill>
-              </a:uFill>
-              <a:latin typeface="Arial"/>
-            </a:endParaRPr>
-          </a:p>
-          <a:p>
-            <a:pPr algn="ctr">
-              <a:buClr>
-                <a:srgbClr val="000000"/>
-              </a:buClr>
-              <a:buSzPct val="45000"/>
-              <a:buFont typeface="Wingdings" charset="2"/>
-              <a:buChar char=""/>
-            </a:pPr>
-            <a:r>
-              <a:rPr b="0" lang="en-IN" sz="3200" spc="-1" strike="noStrike">
-                <a:solidFill>
-                  <a:srgbClr val="000000"/>
-                </a:solidFill>
-                <a:uFill>
-                  <a:solidFill>
-                    <a:srgbClr val="ffffff"/>
-                  </a:solidFill>
-                </a:uFill>
-                <a:latin typeface="Arial"/>
-              </a:rPr>
-              <a:t> </a:t>
-            </a:r>
-            <a:endParaRPr b="0" lang="en-IN" sz="3200" spc="-1" strike="noStrike">
+            <a:endParaRPr b="0" lang="en-IN" sz="1800" spc="-1" strike="noStrike">
               <a:solidFill>
                 <a:srgbClr val="000000"/>
               </a:solidFill>
@@ -5044,14 +5330,14 @@
       </p:grpSpPr>
       <p:sp>
         <p:nvSpPr>
-          <p:cNvPr id="85" name="TextShape 1"/>
-          <p:cNvSpPr txBox="1"/>
+          <p:cNvPr id="80" name="CustomShape 1"/>
+          <p:cNvSpPr/>
           <p:nvPr/>
         </p:nvSpPr>
         <p:spPr>
           <a:xfrm>
-            <a:off x="756000" y="1329840"/>
-            <a:ext cx="9324000" cy="5469480"/>
+            <a:off x="756000" y="1504800"/>
+            <a:ext cx="8099640" cy="5118840"/>
           </a:xfrm>
           <a:prstGeom prst="rect">
             <a:avLst/>
@@ -5061,10 +5347,19 @@
             <a:noFill/>
           </a:ln>
         </p:spPr>
+        <p:style>
+          <a:lnRef idx="0"/>
+          <a:fillRef idx="0"/>
+          <a:effectRef idx="0"/>
+          <a:fontRef idx="minor"/>
+        </p:style>
         <p:txBody>
           <a:bodyPr lIns="0" rIns="0" tIns="0" bIns="0" anchor="ctr"/>
           <a:p>
-            <a:pPr algn="ctr">
+            <a:pPr marL="216000" indent="-216000" algn="ctr">
+              <a:lnSpc>
+                <a:spcPct val="100000"/>
+              </a:lnSpc>
               <a:buClr>
                 <a:srgbClr val="000000"/>
               </a:buClr>
@@ -5084,331 +5379,9 @@
                 </a:uFill>
                 <a:latin typeface="Arial"/>
               </a:rPr>
-              <a:t> </a:t>
+              <a:t>What are the benefits of Decorator design pattern?</a:t>
             </a:r>
-            <a:endParaRPr b="0" lang="en-IN" sz="3200" spc="-1" strike="noStrike">
-              <a:solidFill>
-                <a:srgbClr val="000000"/>
-              </a:solidFill>
-              <a:uFill>
-                <a:solidFill>
-                  <a:srgbClr val="ffffff"/>
-                </a:solidFill>
-              </a:uFill>
-              <a:latin typeface="Arial"/>
-            </a:endParaRPr>
-          </a:p>
-          <a:p>
-            <a:pPr algn="ctr">
-              <a:buClr>
-                <a:srgbClr val="000000"/>
-              </a:buClr>
-              <a:buSzPct val="45000"/>
-              <a:buFont typeface="Wingdings" charset="2"/>
-              <a:buChar char=""/>
-            </a:pPr>
-            <a:r>
-              <a:rPr b="0" lang="en-IN" sz="3200" spc="-1" strike="noStrike">
-                <a:solidFill>
-                  <a:srgbClr val="000000"/>
-                </a:solidFill>
-                <a:uFill>
-                  <a:solidFill>
-                    <a:srgbClr val="ffffff"/>
-                  </a:solidFill>
-                </a:uFill>
-                <a:latin typeface="Arial"/>
-              </a:rPr>
-              <a:t> </a:t>
-            </a:r>
-            <a:endParaRPr b="0" lang="en-IN" sz="3200" spc="-1" strike="noStrike">
-              <a:solidFill>
-                <a:srgbClr val="000000"/>
-              </a:solidFill>
-              <a:uFill>
-                <a:solidFill>
-                  <a:srgbClr val="ffffff"/>
-                </a:solidFill>
-              </a:uFill>
-              <a:latin typeface="Arial"/>
-            </a:endParaRPr>
-          </a:p>
-          <a:p>
-            <a:pPr algn="ctr">
-              <a:buClr>
-                <a:srgbClr val="000000"/>
-              </a:buClr>
-              <a:buSzPct val="45000"/>
-              <a:buFont typeface="Wingdings" charset="2"/>
-              <a:buChar char=""/>
-            </a:pPr>
-            <a:r>
-              <a:rPr b="0" lang="en-IN" sz="3200" spc="-1" strike="noStrike">
-                <a:solidFill>
-                  <a:srgbClr val="000000"/>
-                </a:solidFill>
-                <a:uFill>
-                  <a:solidFill>
-                    <a:srgbClr val="ffffff"/>
-                  </a:solidFill>
-                </a:uFill>
-                <a:latin typeface="Arial"/>
-              </a:rPr>
-              <a:t> </a:t>
-            </a:r>
-            <a:endParaRPr b="0" lang="en-IN" sz="3200" spc="-1" strike="noStrike">
-              <a:solidFill>
-                <a:srgbClr val="000000"/>
-              </a:solidFill>
-              <a:uFill>
-                <a:solidFill>
-                  <a:srgbClr val="ffffff"/>
-                </a:solidFill>
-              </a:uFill>
-              <a:latin typeface="Arial"/>
-            </a:endParaRPr>
-          </a:p>
-          <a:p>
-            <a:pPr algn="ctr">
-              <a:buClr>
-                <a:srgbClr val="000000"/>
-              </a:buClr>
-              <a:buSzPct val="45000"/>
-              <a:buFont typeface="Wingdings" charset="2"/>
-              <a:buChar char=""/>
-            </a:pPr>
-            <a:r>
-              <a:rPr b="0" lang="en-IN" sz="3200" spc="-1" strike="noStrike">
-                <a:solidFill>
-                  <a:srgbClr val="000000"/>
-                </a:solidFill>
-                <a:uFill>
-                  <a:solidFill>
-                    <a:srgbClr val="ffffff"/>
-                  </a:solidFill>
-                </a:uFill>
-                <a:latin typeface="Arial"/>
-              </a:rPr>
-              <a:t>  </a:t>
-            </a:r>
-            <a:r>
-              <a:rPr b="0" lang="en-IN" sz="3200" spc="-1" strike="noStrike">
-                <a:solidFill>
-                  <a:srgbClr val="000000"/>
-                </a:solidFill>
-                <a:uFill>
-                  <a:solidFill>
-                    <a:srgbClr val="ffffff"/>
-                  </a:solidFill>
-                </a:uFill>
-                <a:latin typeface="Arial"/>
-              </a:rPr>
-              <a:t>Add additional functionalities/responsibilities dynamically</a:t>
-            </a:r>
-            <a:endParaRPr b="0" lang="en-IN" sz="3200" spc="-1" strike="noStrike">
-              <a:solidFill>
-                <a:srgbClr val="000000"/>
-              </a:solidFill>
-              <a:uFill>
-                <a:solidFill>
-                  <a:srgbClr val="ffffff"/>
-                </a:solidFill>
-              </a:uFill>
-              <a:latin typeface="Arial"/>
-            </a:endParaRPr>
-          </a:p>
-          <a:p>
-            <a:pPr algn="ctr">
-              <a:buClr>
-                <a:srgbClr val="000000"/>
-              </a:buClr>
-              <a:buSzPct val="45000"/>
-              <a:buFont typeface="Wingdings" charset="2"/>
-              <a:buChar char=""/>
-            </a:pPr>
-            <a:r>
-              <a:rPr b="0" lang="en-IN" sz="3200" spc="-1" strike="noStrike">
-                <a:solidFill>
-                  <a:srgbClr val="000000"/>
-                </a:solidFill>
-                <a:uFill>
-                  <a:solidFill>
-                    <a:srgbClr val="ffffff"/>
-                  </a:solidFill>
-                </a:uFill>
-                <a:latin typeface="Arial"/>
-              </a:rPr>
-              <a:t>    </a:t>
-            </a:r>
-            <a:r>
-              <a:rPr b="0" lang="en-IN" sz="3200" spc="-1" strike="noStrike">
-                <a:solidFill>
-                  <a:srgbClr val="000000"/>
-                </a:solidFill>
-                <a:uFill>
-                  <a:solidFill>
-                    <a:srgbClr val="ffffff"/>
-                  </a:solidFill>
-                </a:uFill>
-                <a:latin typeface="Arial"/>
-              </a:rPr>
-              <a:t>Remove functionalities/responsibilities dynamically</a:t>
-            </a:r>
-            <a:endParaRPr b="0" lang="en-IN" sz="3200" spc="-1" strike="noStrike">
-              <a:solidFill>
-                <a:srgbClr val="000000"/>
-              </a:solidFill>
-              <a:uFill>
-                <a:solidFill>
-                  <a:srgbClr val="ffffff"/>
-                </a:solidFill>
-              </a:uFill>
-              <a:latin typeface="Arial"/>
-            </a:endParaRPr>
-          </a:p>
-          <a:p>
-            <a:pPr algn="ctr">
-              <a:buClr>
-                <a:srgbClr val="000000"/>
-              </a:buClr>
-              <a:buSzPct val="45000"/>
-              <a:buFont typeface="Wingdings" charset="2"/>
-              <a:buChar char=""/>
-            </a:pPr>
-            <a:r>
-              <a:rPr b="0" lang="en-IN" sz="3200" spc="-1" strike="noStrike">
-                <a:solidFill>
-                  <a:srgbClr val="000000"/>
-                </a:solidFill>
-                <a:uFill>
-                  <a:solidFill>
-                    <a:srgbClr val="ffffff"/>
-                  </a:solidFill>
-                </a:uFill>
-                <a:latin typeface="Arial"/>
-              </a:rPr>
-              <a:t>    </a:t>
-            </a:r>
-            <a:r>
-              <a:rPr b="0" lang="en-IN" sz="3200" spc="-1" strike="noStrike">
-                <a:solidFill>
-                  <a:srgbClr val="000000"/>
-                </a:solidFill>
-                <a:uFill>
-                  <a:solidFill>
-                    <a:srgbClr val="ffffff"/>
-                  </a:solidFill>
-                </a:uFill>
-                <a:latin typeface="Arial"/>
-              </a:rPr>
-              <a:t>Avoid too much of sub-classing to add additional responsibilities.</a:t>
-            </a:r>
-            <a:endParaRPr b="0" lang="en-IN" sz="3200" spc="-1" strike="noStrike">
-              <a:solidFill>
-                <a:srgbClr val="000000"/>
-              </a:solidFill>
-              <a:uFill>
-                <a:solidFill>
-                  <a:srgbClr val="ffffff"/>
-                </a:solidFill>
-              </a:uFill>
-              <a:latin typeface="Arial"/>
-            </a:endParaRPr>
-          </a:p>
-          <a:p>
-            <a:pPr algn="ctr">
-              <a:buClr>
-                <a:srgbClr val="000000"/>
-              </a:buClr>
-              <a:buSzPct val="45000"/>
-              <a:buFont typeface="Wingdings" charset="2"/>
-              <a:buChar char=""/>
-            </a:pPr>
-            <a:r>
-              <a:rPr b="0" lang="en-IN" sz="3200" spc="-1" strike="noStrike">
-                <a:solidFill>
-                  <a:srgbClr val="000000"/>
-                </a:solidFill>
-                <a:uFill>
-                  <a:solidFill>
-                    <a:srgbClr val="ffffff"/>
-                  </a:solidFill>
-                </a:uFill>
-                <a:latin typeface="Arial"/>
-              </a:rPr>
-              <a:t> </a:t>
-            </a:r>
-            <a:endParaRPr b="0" lang="en-IN" sz="3200" spc="-1" strike="noStrike">
-              <a:solidFill>
-                <a:srgbClr val="000000"/>
-              </a:solidFill>
-              <a:uFill>
-                <a:solidFill>
-                  <a:srgbClr val="ffffff"/>
-                </a:solidFill>
-              </a:uFill>
-              <a:latin typeface="Arial"/>
-            </a:endParaRPr>
-          </a:p>
-          <a:p>
-            <a:pPr algn="ctr">
-              <a:buClr>
-                <a:srgbClr val="000000"/>
-              </a:buClr>
-              <a:buSzPct val="45000"/>
-              <a:buFont typeface="Wingdings" charset="2"/>
-              <a:buChar char=""/>
-            </a:pPr>
-            <a:r>
-              <a:rPr b="0" lang="en-IN" sz="3200" spc="-1" strike="noStrike">
-                <a:solidFill>
-                  <a:srgbClr val="000000"/>
-                </a:solidFill>
-                <a:uFill>
-                  <a:solidFill>
-                    <a:srgbClr val="ffffff"/>
-                  </a:solidFill>
-                </a:uFill>
-                <a:latin typeface="Arial"/>
-              </a:rPr>
-              <a:t> </a:t>
-            </a:r>
-            <a:endParaRPr b="0" lang="en-IN" sz="3200" spc="-1" strike="noStrike">
-              <a:solidFill>
-                <a:srgbClr val="000000"/>
-              </a:solidFill>
-              <a:uFill>
-                <a:solidFill>
-                  <a:srgbClr val="ffffff"/>
-                </a:solidFill>
-              </a:uFill>
-              <a:latin typeface="Arial"/>
-            </a:endParaRPr>
-          </a:p>
-          <a:p>
-            <a:pPr algn="ctr">
-              <a:buClr>
-                <a:srgbClr val="000000"/>
-              </a:buClr>
-              <a:buSzPct val="45000"/>
-              <a:buFont typeface="Wingdings" charset="2"/>
-              <a:buChar char=""/>
-            </a:pPr>
-            <a:r>
-              <a:rPr b="0" lang="en-IN" sz="3200" spc="-1" strike="noStrike">
-                <a:solidFill>
-                  <a:srgbClr val="000000"/>
-                </a:solidFill>
-                <a:uFill>
-                  <a:solidFill>
-                    <a:srgbClr val="ffffff"/>
-                  </a:solidFill>
-                </a:uFill>
-                <a:latin typeface="Arial"/>
-              </a:rPr>
-              <a:t> </a:t>
-            </a:r>
-            <a:endParaRPr b="0" lang="en-IN" sz="3200" spc="-1" strike="noStrike">
+            <a:endParaRPr b="0" lang="en-IN" sz="1800" spc="-1" strike="noStrike">
               <a:solidFill>
                 <a:srgbClr val="000000"/>
               </a:solidFill>
@@ -5473,14 +5446,14 @@
       </p:grpSpPr>
       <p:sp>
         <p:nvSpPr>
-          <p:cNvPr id="86" name="TextShape 1"/>
-          <p:cNvSpPr txBox="1"/>
+          <p:cNvPr id="81" name="CustomShape 1"/>
+          <p:cNvSpPr/>
           <p:nvPr/>
         </p:nvSpPr>
         <p:spPr>
           <a:xfrm>
-            <a:off x="756000" y="1504800"/>
-            <a:ext cx="8100000" cy="5119200"/>
+            <a:off x="756000" y="1329840"/>
+            <a:ext cx="9323640" cy="5469120"/>
           </a:xfrm>
           <a:prstGeom prst="rect">
             <a:avLst/>
@@ -5490,45 +5463,19 @@
             <a:noFill/>
           </a:ln>
         </p:spPr>
+        <p:style>
+          <a:lnRef idx="0"/>
+          <a:fillRef idx="0"/>
+          <a:effectRef idx="0"/>
+          <a:fontRef idx="minor"/>
+        </p:style>
         <p:txBody>
           <a:bodyPr lIns="0" rIns="0" tIns="0" bIns="0" anchor="ctr"/>
           <a:p>
-            <a:pPr algn="ctr">
-              <a:buClr>
-                <a:srgbClr val="000000"/>
-              </a:buClr>
-              <a:buSzPct val="45000"/>
-              <a:buFont typeface="Wingdings" charset="2"/>
-              <a:buChar char=""/>
-            </a:pPr>
-            <a:r>
-              <a:rPr b="0" lang="en-IN" sz="3200" spc="-1" strike="noStrike">
-                <a:solidFill>
-                  <a:srgbClr val="000000"/>
-                </a:solidFill>
-                <a:uFill>
-                  <a:solidFill>
-                    <a:srgbClr val="ffffff"/>
-                  </a:solidFill>
-                </a:uFill>
-                <a:latin typeface="Arial"/>
-              </a:rPr>
-              <a:t>What are the drawbacks of Decorator design pattern?</a:t>
-            </a:r>
-            <a:endParaRPr b="0" lang="en-IN" sz="3200" spc="-1" strike="noStrike">
-              <a:solidFill>
-                <a:srgbClr val="000000"/>
-              </a:solidFill>
-              <a:uFill>
-                <a:solidFill>
-                  <a:srgbClr val="ffffff"/>
-                </a:solidFill>
-              </a:uFill>
-              <a:latin typeface="Arial"/>
-            </a:endParaRPr>
-          </a:p>
-          <a:p>
-            <a:pPr algn="ctr">
+            <a:pPr marL="216000" indent="-216000" algn="ctr">
+              <a:lnSpc>
+                <a:spcPct val="100000"/>
+              </a:lnSpc>
               <a:buClr>
                 <a:srgbClr val="000000"/>
               </a:buClr>
@@ -5550,20 +5497,23 @@
               </a:rPr>
               <a:t> </a:t>
             </a:r>
-            <a:endParaRPr b="0" lang="en-IN" sz="3200" spc="-1" strike="noStrike">
-              <a:solidFill>
-                <a:srgbClr val="000000"/>
-              </a:solidFill>
-              <a:uFill>
-                <a:solidFill>
-                  <a:srgbClr val="ffffff"/>
-                </a:solidFill>
-              </a:uFill>
-              <a:latin typeface="Arial"/>
-            </a:endParaRPr>
-          </a:p>
-          <a:p>
-            <a:pPr algn="ctr">
+            <a:endParaRPr b="0" lang="en-IN" sz="1800" spc="-1" strike="noStrike">
+              <a:solidFill>
+                <a:srgbClr val="000000"/>
+              </a:solidFill>
+              <a:uFill>
+                <a:solidFill>
+                  <a:srgbClr val="ffffff"/>
+                </a:solidFill>
+              </a:uFill>
+              <a:latin typeface="Arial"/>
+            </a:endParaRPr>
+          </a:p>
+          <a:p>
+            <a:pPr marL="216000" indent="-216000" algn="ctr">
+              <a:lnSpc>
+                <a:spcPct val="100000"/>
+              </a:lnSpc>
               <a:buClr>
                 <a:srgbClr val="000000"/>
               </a:buClr>
@@ -5583,9 +5533,127 @@
                 </a:uFill>
                 <a:latin typeface="Arial"/>
               </a:rPr>
-              <a:t> </a:t>
+              <a:t>  </a:t>
             </a:r>
-            <a:endParaRPr b="0" lang="en-IN" sz="3200" spc="-1" strike="noStrike">
+            <a:r>
+              <a:rPr b="0" lang="en-IN" sz="3200" spc="-1" strike="noStrike">
+                <a:solidFill>
+                  <a:srgbClr val="000000"/>
+                </a:solidFill>
+                <a:uFill>
+                  <a:solidFill>
+                    <a:srgbClr val="ffffff"/>
+                  </a:solidFill>
+                </a:uFill>
+                <a:latin typeface="Arial"/>
+              </a:rPr>
+              <a:t>Add additional functionalities/responsibilities dynamically</a:t>
+            </a:r>
+            <a:endParaRPr b="0" lang="en-IN" sz="1800" spc="-1" strike="noStrike">
+              <a:solidFill>
+                <a:srgbClr val="000000"/>
+              </a:solidFill>
+              <a:uFill>
+                <a:solidFill>
+                  <a:srgbClr val="ffffff"/>
+                </a:solidFill>
+              </a:uFill>
+              <a:latin typeface="Arial"/>
+            </a:endParaRPr>
+          </a:p>
+          <a:p>
+            <a:pPr marL="216000" indent="-216000" algn="ctr">
+              <a:lnSpc>
+                <a:spcPct val="100000"/>
+              </a:lnSpc>
+              <a:buClr>
+                <a:srgbClr val="000000"/>
+              </a:buClr>
+              <a:buSzPct val="45000"/>
+              <a:buFont typeface="Wingdings" charset="2"/>
+              <a:buChar char=""/>
+            </a:pPr>
+            <a:r>
+              <a:rPr b="0" lang="en-IN" sz="3200" spc="-1" strike="noStrike">
+                <a:solidFill>
+                  <a:srgbClr val="000000"/>
+                </a:solidFill>
+                <a:uFill>
+                  <a:solidFill>
+                    <a:srgbClr val="ffffff"/>
+                  </a:solidFill>
+                </a:uFill>
+                <a:latin typeface="Arial"/>
+              </a:rPr>
+              <a:t>    </a:t>
+            </a:r>
+            <a:r>
+              <a:rPr b="0" lang="en-IN" sz="3200" spc="-1" strike="noStrike">
+                <a:solidFill>
+                  <a:srgbClr val="000000"/>
+                </a:solidFill>
+                <a:uFill>
+                  <a:solidFill>
+                    <a:srgbClr val="ffffff"/>
+                  </a:solidFill>
+                </a:uFill>
+                <a:latin typeface="Arial"/>
+              </a:rPr>
+              <a:t>Remove functionalities/responsibilities dynamically</a:t>
+            </a:r>
+            <a:endParaRPr b="0" lang="en-IN" sz="1800" spc="-1" strike="noStrike">
+              <a:solidFill>
+                <a:srgbClr val="000000"/>
+              </a:solidFill>
+              <a:uFill>
+                <a:solidFill>
+                  <a:srgbClr val="ffffff"/>
+                </a:solidFill>
+              </a:uFill>
+              <a:latin typeface="Arial"/>
+            </a:endParaRPr>
+          </a:p>
+          <a:p>
+            <a:pPr marL="216000" indent="-216000" algn="ctr">
+              <a:lnSpc>
+                <a:spcPct val="100000"/>
+              </a:lnSpc>
+              <a:buClr>
+                <a:srgbClr val="000000"/>
+              </a:buClr>
+              <a:buSzPct val="45000"/>
+              <a:buFont typeface="Wingdings" charset="2"/>
+              <a:buChar char=""/>
+            </a:pPr>
+            <a:r>
+              <a:rPr b="0" lang="en-IN" sz="3200" spc="-1" strike="noStrike">
+                <a:solidFill>
+                  <a:srgbClr val="000000"/>
+                </a:solidFill>
+                <a:uFill>
+                  <a:solidFill>
+                    <a:srgbClr val="ffffff"/>
+                  </a:solidFill>
+                </a:uFill>
+                <a:latin typeface="Arial"/>
+              </a:rPr>
+              <a:t>    </a:t>
+            </a:r>
+            <a:r>
+              <a:rPr b="0" lang="en-IN" sz="3200" spc="-1" strike="noStrike">
+                <a:solidFill>
+                  <a:srgbClr val="000000"/>
+                </a:solidFill>
+                <a:uFill>
+                  <a:solidFill>
+                    <a:srgbClr val="ffffff"/>
+                  </a:solidFill>
+                </a:uFill>
+                <a:latin typeface="Arial"/>
+              </a:rPr>
+              <a:t>Avoid too much of sub-classing to add additional responsibilities.</a:t>
+            </a:r>
+            <a:endParaRPr b="0" lang="en-IN" sz="1800" spc="-1" strike="noStrike">
               <a:solidFill>
                 <a:srgbClr val="000000"/>
               </a:solidFill>
@@ -5650,14 +5718,14 @@
       </p:grpSpPr>
       <p:sp>
         <p:nvSpPr>
-          <p:cNvPr id="87" name="TextShape 1"/>
-          <p:cNvSpPr txBox="1"/>
+          <p:cNvPr id="82" name="CustomShape 1"/>
+          <p:cNvSpPr/>
           <p:nvPr/>
         </p:nvSpPr>
         <p:spPr>
           <a:xfrm>
             <a:off x="756000" y="1504800"/>
-            <a:ext cx="9180000" cy="5119200"/>
+            <a:ext cx="8099640" cy="5118840"/>
           </a:xfrm>
           <a:prstGeom prst="rect">
             <a:avLst/>
@@ -5667,10 +5735,19 @@
             <a:noFill/>
           </a:ln>
         </p:spPr>
+        <p:style>
+          <a:lnRef idx="0"/>
+          <a:fillRef idx="0"/>
+          <a:effectRef idx="0"/>
+          <a:fontRef idx="minor"/>
+        </p:style>
         <p:txBody>
           <a:bodyPr lIns="0" rIns="0" tIns="0" bIns="0" anchor="ctr"/>
           <a:p>
-            <a:pPr algn="ctr">
+            <a:pPr marL="216000" indent="-216000" algn="ctr">
+              <a:lnSpc>
+                <a:spcPct val="100000"/>
+              </a:lnSpc>
               <a:buClr>
                 <a:srgbClr val="000000"/>
               </a:buClr>
@@ -5690,212 +5767,9 @@
                 </a:uFill>
                 <a:latin typeface="Arial"/>
               </a:rPr>
-              <a:t> </a:t>
+              <a:t>What are the drawbacks of Decorator design pattern? </a:t>
             </a:r>
-            <a:endParaRPr b="0" lang="en-IN" sz="3200" spc="-1" strike="noStrike">
-              <a:solidFill>
-                <a:srgbClr val="000000"/>
-              </a:solidFill>
-              <a:uFill>
-                <a:solidFill>
-                  <a:srgbClr val="ffffff"/>
-                </a:solidFill>
-              </a:uFill>
-              <a:latin typeface="Arial"/>
-            </a:endParaRPr>
-          </a:p>
-          <a:p>
-            <a:pPr algn="ctr">
-              <a:buClr>
-                <a:srgbClr val="000000"/>
-              </a:buClr>
-              <a:buSzPct val="45000"/>
-              <a:buFont typeface="Wingdings" charset="2"/>
-              <a:buChar char=""/>
-            </a:pPr>
-            <a:r>
-              <a:rPr b="0" lang="en-IN" sz="3200" spc="-1" strike="noStrike">
-                <a:solidFill>
-                  <a:srgbClr val="000000"/>
-                </a:solidFill>
-                <a:uFill>
-                  <a:solidFill>
-                    <a:srgbClr val="ffffff"/>
-                  </a:solidFill>
-                </a:uFill>
-                <a:latin typeface="Arial"/>
-              </a:rPr>
-              <a:t>    </a:t>
-            </a:r>
-            <a:r>
-              <a:rPr b="0" lang="en-IN" sz="3200" spc="-1" strike="noStrike">
-                <a:solidFill>
-                  <a:srgbClr val="000000"/>
-                </a:solidFill>
-                <a:uFill>
-                  <a:solidFill>
-                    <a:srgbClr val="ffffff"/>
-                  </a:solidFill>
-                </a:uFill>
-                <a:latin typeface="Arial"/>
-              </a:rPr>
-              <a:t>Overuse of Open Closed principle ( Open for extension and Closed for modification). Use this feature sparingly where the code is least likely changed.</a:t>
-            </a:r>
-            <a:endParaRPr b="0" lang="en-IN" sz="3200" spc="-1" strike="noStrike">
-              <a:solidFill>
-                <a:srgbClr val="000000"/>
-              </a:solidFill>
-              <a:uFill>
-                <a:solidFill>
-                  <a:srgbClr val="ffffff"/>
-                </a:solidFill>
-              </a:uFill>
-              <a:latin typeface="Arial"/>
-            </a:endParaRPr>
-          </a:p>
-          <a:p>
-            <a:pPr algn="ctr">
-              <a:buClr>
-                <a:srgbClr val="000000"/>
-              </a:buClr>
-              <a:buSzPct val="45000"/>
-              <a:buFont typeface="Wingdings" charset="2"/>
-              <a:buChar char=""/>
-            </a:pPr>
-            <a:r>
-              <a:rPr b="0" lang="en-IN" sz="3200" spc="-1" strike="noStrike">
-                <a:solidFill>
-                  <a:srgbClr val="000000"/>
-                </a:solidFill>
-                <a:uFill>
-                  <a:solidFill>
-                    <a:srgbClr val="ffffff"/>
-                  </a:solidFill>
-                </a:uFill>
-                <a:latin typeface="Arial"/>
-              </a:rPr>
-              <a:t>    </a:t>
-            </a:r>
-            <a:r>
-              <a:rPr b="0" lang="en-IN" sz="3200" spc="-1" strike="noStrike">
-                <a:solidFill>
-                  <a:srgbClr val="000000"/>
-                </a:solidFill>
-                <a:uFill>
-                  <a:solidFill>
-                    <a:srgbClr val="ffffff"/>
-                  </a:solidFill>
-                </a:uFill>
-                <a:latin typeface="Arial"/>
-              </a:rPr>
-              <a:t>Too many small classes and will add maintenance overhead.</a:t>
-            </a:r>
-            <a:endParaRPr b="0" lang="en-IN" sz="3200" spc="-1" strike="noStrike">
-              <a:solidFill>
-                <a:srgbClr val="000000"/>
-              </a:solidFill>
-              <a:uFill>
-                <a:solidFill>
-                  <a:srgbClr val="ffffff"/>
-                </a:solidFill>
-              </a:uFill>
-              <a:latin typeface="Arial"/>
-            </a:endParaRPr>
-          </a:p>
-          <a:p>
-            <a:pPr algn="ctr">
-              <a:buClr>
-                <a:srgbClr val="000000"/>
-              </a:buClr>
-              <a:buSzPct val="45000"/>
-              <a:buFont typeface="Wingdings" charset="2"/>
-              <a:buChar char=""/>
-            </a:pPr>
-            <a:r>
-              <a:rPr b="0" lang="en-IN" sz="3200" spc="-1" strike="noStrike">
-                <a:solidFill>
-                  <a:srgbClr val="000000"/>
-                </a:solidFill>
-                <a:uFill>
-                  <a:solidFill>
-                    <a:srgbClr val="ffffff"/>
-                  </a:solidFill>
-                </a:uFill>
-                <a:latin typeface="Arial"/>
-              </a:rPr>
-              <a:t> </a:t>
-            </a:r>
-            <a:endParaRPr b="0" lang="en-IN" sz="3200" spc="-1" strike="noStrike">
-              <a:solidFill>
-                <a:srgbClr val="000000"/>
-              </a:solidFill>
-              <a:uFill>
-                <a:solidFill>
-                  <a:srgbClr val="ffffff"/>
-                </a:solidFill>
-              </a:uFill>
-              <a:latin typeface="Arial"/>
-            </a:endParaRPr>
-          </a:p>
-          <a:p>
-            <a:pPr algn="ctr">
-              <a:buClr>
-                <a:srgbClr val="000000"/>
-              </a:buClr>
-              <a:buSzPct val="45000"/>
-              <a:buFont typeface="Wingdings" charset="2"/>
-              <a:buChar char=""/>
-            </a:pPr>
-            <a:r>
-              <a:rPr b="0" lang="en-IN" sz="3200" spc="-1" strike="noStrike">
-                <a:solidFill>
-                  <a:srgbClr val="000000"/>
-                </a:solidFill>
-                <a:uFill>
-                  <a:solidFill>
-                    <a:srgbClr val="ffffff"/>
-                  </a:solidFill>
-                </a:uFill>
-                <a:latin typeface="Arial"/>
-              </a:rPr>
-              <a:t> </a:t>
-            </a:r>
-            <a:endParaRPr b="0" lang="en-IN" sz="3200" spc="-1" strike="noStrike">
-              <a:solidFill>
-                <a:srgbClr val="000000"/>
-              </a:solidFill>
-              <a:uFill>
-                <a:solidFill>
-                  <a:srgbClr val="ffffff"/>
-                </a:solidFill>
-              </a:uFill>
-              <a:latin typeface="Arial"/>
-            </a:endParaRPr>
-          </a:p>
-          <a:p>
-            <a:pPr algn="ctr">
-              <a:buClr>
-                <a:srgbClr val="000000"/>
-              </a:buClr>
-              <a:buSzPct val="45000"/>
-              <a:buFont typeface="Wingdings" charset="2"/>
-              <a:buChar char=""/>
-            </a:pPr>
-            <a:r>
-              <a:rPr b="0" lang="en-IN" sz="3200" spc="-1" strike="noStrike">
-                <a:solidFill>
-                  <a:srgbClr val="000000"/>
-                </a:solidFill>
-                <a:uFill>
-                  <a:solidFill>
-                    <a:srgbClr val="ffffff"/>
-                  </a:solidFill>
-                </a:uFill>
-                <a:latin typeface="Arial"/>
-              </a:rPr>
-              <a:t> </a:t>
-            </a:r>
-            <a:endParaRPr b="0" lang="en-IN" sz="3200" spc="-1" strike="noStrike">
+            <a:endParaRPr b="0" lang="en-IN" sz="1800" spc="-1" strike="noStrike">
               <a:solidFill>
                 <a:srgbClr val="000000"/>
               </a:solidFill>
@@ -5960,14 +5834,14 @@
       </p:grpSpPr>
       <p:sp>
         <p:nvSpPr>
-          <p:cNvPr id="88" name="TextShape 1"/>
-          <p:cNvSpPr txBox="1"/>
+          <p:cNvPr id="83" name="CustomShape 1"/>
+          <p:cNvSpPr/>
           <p:nvPr/>
         </p:nvSpPr>
         <p:spPr>
           <a:xfrm>
             <a:off x="756000" y="1504800"/>
-            <a:ext cx="8100000" cy="5119200"/>
+            <a:ext cx="9179640" cy="5118840"/>
           </a:xfrm>
           <a:prstGeom prst="rect">
             <a:avLst/>
@@ -5977,81 +5851,19 @@
             <a:noFill/>
           </a:ln>
         </p:spPr>
+        <p:style>
+          <a:lnRef idx="0"/>
+          <a:fillRef idx="0"/>
+          <a:effectRef idx="0"/>
+          <a:fontRef idx="minor"/>
+        </p:style>
         <p:txBody>
           <a:bodyPr lIns="0" rIns="0" tIns="0" bIns="0" anchor="ctr"/>
           <a:p>
-            <a:pPr algn="ctr">
-              <a:buClr>
-                <a:srgbClr val="000000"/>
-              </a:buClr>
-              <a:buSzPct val="45000"/>
-              <a:buFont typeface="Wingdings" charset="2"/>
-              <a:buChar char=""/>
-            </a:pPr>
-            <a:r>
-              <a:rPr b="0" lang="en-IN" sz="3200" spc="-1" strike="noStrike">
-                <a:solidFill>
-                  <a:srgbClr val="000000"/>
-                </a:solidFill>
-                <a:uFill>
-                  <a:solidFill>
-                    <a:srgbClr val="ffffff"/>
-                  </a:solidFill>
-                </a:uFill>
-                <a:latin typeface="Arial"/>
-              </a:rPr>
-              <a:t>Example : </a:t>
-            </a:r>
-            <a:endParaRPr b="0" lang="en-IN" sz="3200" spc="-1" strike="noStrike">
-              <a:solidFill>
-                <a:srgbClr val="000000"/>
-              </a:solidFill>
-              <a:uFill>
-                <a:solidFill>
-                  <a:srgbClr val="ffffff"/>
-                </a:solidFill>
-              </a:uFill>
-              <a:latin typeface="Arial"/>
-            </a:endParaRPr>
-          </a:p>
-          <a:p>
-            <a:pPr algn="ctr">
-              <a:buClr>
-                <a:srgbClr val="000000"/>
-              </a:buClr>
-              <a:buSzPct val="45000"/>
-              <a:buFont typeface="Wingdings" charset="2"/>
-              <a:buChar char=""/>
-            </a:pPr>
-            <a:r>
-              <a:rPr b="0" lang="en-IN" sz="3200" spc="-1" strike="noStrike">
-                <a:solidFill>
-                  <a:srgbClr val="000000"/>
-                </a:solidFill>
-                <a:uFill>
-                  <a:solidFill>
-                    <a:srgbClr val="ffffff"/>
-                  </a:solidFill>
-                </a:uFill>
-                <a:latin typeface="Arial"/>
-                <a:hlinkClick r:id="rId1"/>
-              </a:rPr>
-              <a:t>https://phpenthusiast.com/blog/the-decorator-design-pattern-in-php-explained</a:t>
-            </a:r>
-            <a:endParaRPr b="0" lang="en-IN" sz="3200" spc="-1" strike="noStrike">
-              <a:solidFill>
-                <a:srgbClr val="000000"/>
-              </a:solidFill>
-              <a:uFill>
-                <a:solidFill>
-                  <a:srgbClr val="ffffff"/>
-                </a:solidFill>
-              </a:uFill>
-              <a:latin typeface="Arial"/>
-            </a:endParaRPr>
-          </a:p>
-          <a:p>
-            <a:pPr algn="ctr">
+            <a:pPr marL="216000" indent="-216000" algn="ctr">
+              <a:lnSpc>
+                <a:spcPct val="100000"/>
+              </a:lnSpc>
               <a:buClr>
                 <a:srgbClr val="000000"/>
               </a:buClr>
@@ -6073,20 +5885,23 @@
               </a:rPr>
               <a:t> </a:t>
             </a:r>
-            <a:endParaRPr b="0" lang="en-IN" sz="3200" spc="-1" strike="noStrike">
-              <a:solidFill>
-                <a:srgbClr val="000000"/>
-              </a:solidFill>
-              <a:uFill>
-                <a:solidFill>
-                  <a:srgbClr val="ffffff"/>
-                </a:solidFill>
-              </a:uFill>
-              <a:latin typeface="Arial"/>
-            </a:endParaRPr>
-          </a:p>
-          <a:p>
-            <a:pPr algn="ctr">
+            <a:endParaRPr b="0" lang="en-IN" sz="1800" spc="-1" strike="noStrike">
+              <a:solidFill>
+                <a:srgbClr val="000000"/>
+              </a:solidFill>
+              <a:uFill>
+                <a:solidFill>
+                  <a:srgbClr val="ffffff"/>
+                </a:solidFill>
+              </a:uFill>
+              <a:latin typeface="Arial"/>
+            </a:endParaRPr>
+          </a:p>
+          <a:p>
+            <a:pPr marL="216000" indent="-216000" algn="ctr">
+              <a:lnSpc>
+                <a:spcPct val="100000"/>
+              </a:lnSpc>
               <a:buClr>
                 <a:srgbClr val="000000"/>
               </a:buClr>
@@ -6106,9 +5921,75 @@
                 </a:uFill>
                 <a:latin typeface="Arial"/>
               </a:rPr>
-              <a:t> </a:t>
+              <a:t>    </a:t>
             </a:r>
-            <a:endParaRPr b="0" lang="en-IN" sz="3200" spc="-1" strike="noStrike">
+            <a:r>
+              <a:rPr b="0" lang="en-IN" sz="3200" spc="-1" strike="noStrike">
+                <a:solidFill>
+                  <a:srgbClr val="000000"/>
+                </a:solidFill>
+                <a:uFill>
+                  <a:solidFill>
+                    <a:srgbClr val="ffffff"/>
+                  </a:solidFill>
+                </a:uFill>
+                <a:latin typeface="Arial"/>
+              </a:rPr>
+              <a:t>Overuse of Open Closed principle ( Open for extension and Closed for modification). Use this feature sparingly where the code is least likely changed.</a:t>
+            </a:r>
+            <a:endParaRPr b="0" lang="en-IN" sz="1800" spc="-1" strike="noStrike">
+              <a:solidFill>
+                <a:srgbClr val="000000"/>
+              </a:solidFill>
+              <a:uFill>
+                <a:solidFill>
+                  <a:srgbClr val="ffffff"/>
+                </a:solidFill>
+              </a:uFill>
+              <a:latin typeface="Arial"/>
+            </a:endParaRPr>
+          </a:p>
+          <a:p>
+            <a:pPr marL="216000" indent="-216000" algn="ctr">
+              <a:lnSpc>
+                <a:spcPct val="100000"/>
+              </a:lnSpc>
+              <a:buClr>
+                <a:srgbClr val="000000"/>
+              </a:buClr>
+              <a:buSzPct val="45000"/>
+              <a:buFont typeface="Wingdings" charset="2"/>
+              <a:buChar char=""/>
+            </a:pPr>
+            <a:r>
+              <a:rPr b="0" lang="en-IN" sz="3200" spc="-1" strike="noStrike">
+                <a:solidFill>
+                  <a:srgbClr val="000000"/>
+                </a:solidFill>
+                <a:uFill>
+                  <a:solidFill>
+                    <a:srgbClr val="ffffff"/>
+                  </a:solidFill>
+                </a:uFill>
+                <a:latin typeface="Arial"/>
+              </a:rPr>
+              <a:t>    </a:t>
+            </a:r>
+            <a:r>
+              <a:rPr b="0" lang="en-IN" sz="3200" spc="-1" strike="noStrike">
+                <a:solidFill>
+                  <a:srgbClr val="000000"/>
+                </a:solidFill>
+                <a:uFill>
+                  <a:solidFill>
+                    <a:srgbClr val="ffffff"/>
+                  </a:solidFill>
+                </a:uFill>
+                <a:latin typeface="Arial"/>
+              </a:rPr>
+              <a:t>Too many small classes and will add maintenance overhead.</a:t>
+            </a:r>
+            <a:endParaRPr b="0" lang="en-IN" sz="1800" spc="-1" strike="noStrike">
               <a:solidFill>
                 <a:srgbClr val="000000"/>
               </a:solidFill>
